--- a/이미지 인식 기술/이미지 인식 기술 KDH.pptx
+++ b/이미지 인식 기술/이미지 인식 기술 KDH.pptx
@@ -7,21 +7,22 @@
   <p:sldIdLst>
     <p:sldId id="257" r:id="rId2"/>
     <p:sldId id="263" r:id="rId3"/>
-    <p:sldId id="270" r:id="rId4"/>
-    <p:sldId id="291" r:id="rId5"/>
-    <p:sldId id="288" r:id="rId6"/>
-    <p:sldId id="302" r:id="rId7"/>
-    <p:sldId id="303" r:id="rId8"/>
-    <p:sldId id="304" r:id="rId9"/>
-    <p:sldId id="307" r:id="rId10"/>
-    <p:sldId id="306" r:id="rId11"/>
-    <p:sldId id="296" r:id="rId12"/>
-    <p:sldId id="305" r:id="rId13"/>
-    <p:sldId id="308" r:id="rId14"/>
-    <p:sldId id="309" r:id="rId15"/>
-    <p:sldId id="301" r:id="rId16"/>
-    <p:sldId id="275" r:id="rId17"/>
-    <p:sldId id="269" r:id="rId18"/>
+    <p:sldId id="310" r:id="rId4"/>
+    <p:sldId id="270" r:id="rId5"/>
+    <p:sldId id="291" r:id="rId6"/>
+    <p:sldId id="288" r:id="rId7"/>
+    <p:sldId id="302" r:id="rId8"/>
+    <p:sldId id="303" r:id="rId9"/>
+    <p:sldId id="304" r:id="rId10"/>
+    <p:sldId id="307" r:id="rId11"/>
+    <p:sldId id="306" r:id="rId12"/>
+    <p:sldId id="296" r:id="rId13"/>
+    <p:sldId id="305" r:id="rId14"/>
+    <p:sldId id="308" r:id="rId15"/>
+    <p:sldId id="309" r:id="rId16"/>
+    <p:sldId id="301" r:id="rId17"/>
+    <p:sldId id="275" r:id="rId18"/>
+    <p:sldId id="269" r:id="rId19"/>
   </p:sldIdLst>
   <p:sldSz cx="12192000" cy="6858000"/>
   <p:notesSz cx="6858000" cy="9144000"/>
@@ -7204,7 +7205,7 @@
                 </a:solidFill>
               </a:rPr>
               <a:pPr/>
-              <a:t>2020-03-22</a:t>
+              <a:t>2020-03-25</a:t>
             </a:fld>
             <a:endParaRPr lang="ko-KR" altLang="en-US">
               <a:solidFill>
@@ -7404,7 +7405,7 @@
                 </a:solidFill>
               </a:rPr>
               <a:pPr/>
-              <a:t>2020-03-22</a:t>
+              <a:t>2020-03-25</a:t>
             </a:fld>
             <a:endParaRPr lang="ko-KR" altLang="en-US">
               <a:solidFill>
@@ -7614,7 +7615,7 @@
                 </a:solidFill>
               </a:rPr>
               <a:pPr/>
-              <a:t>2020-03-22</a:t>
+              <a:t>2020-03-25</a:t>
             </a:fld>
             <a:endParaRPr lang="ko-KR" altLang="en-US">
               <a:solidFill>
@@ -7814,7 +7815,7 @@
                 </a:solidFill>
               </a:rPr>
               <a:pPr/>
-              <a:t>2020-03-22</a:t>
+              <a:t>2020-03-25</a:t>
             </a:fld>
             <a:endParaRPr lang="ko-KR" altLang="en-US">
               <a:solidFill>
@@ -8091,7 +8092,7 @@
                 </a:solidFill>
               </a:rPr>
               <a:pPr/>
-              <a:t>2020-03-22</a:t>
+              <a:t>2020-03-25</a:t>
             </a:fld>
             <a:endParaRPr lang="ko-KR" altLang="en-US">
               <a:solidFill>
@@ -8352,7 +8353,7 @@
                 </a:solidFill>
               </a:rPr>
               <a:pPr/>
-              <a:t>2020-03-22</a:t>
+              <a:t>2020-03-25</a:t>
             </a:fld>
             <a:endParaRPr lang="ko-KR" altLang="en-US">
               <a:solidFill>
@@ -8748,7 +8749,7 @@
                 </a:solidFill>
               </a:rPr>
               <a:pPr/>
-              <a:t>2020-03-22</a:t>
+              <a:t>2020-03-25</a:t>
             </a:fld>
             <a:endParaRPr lang="ko-KR" altLang="en-US">
               <a:solidFill>
@@ -8897,7 +8898,7 @@
                 </a:solidFill>
               </a:rPr>
               <a:pPr/>
-              <a:t>2020-03-22</a:t>
+              <a:t>2020-03-25</a:t>
             </a:fld>
             <a:endParaRPr lang="ko-KR" altLang="en-US">
               <a:solidFill>
@@ -9024,7 +9025,7 @@
                 </a:solidFill>
               </a:rPr>
               <a:pPr/>
-              <a:t>2020-03-22</a:t>
+              <a:t>2020-03-25</a:t>
             </a:fld>
             <a:endParaRPr lang="ko-KR" altLang="en-US">
               <a:solidFill>
@@ -9331,7 +9332,7 @@
                 </a:solidFill>
               </a:rPr>
               <a:pPr/>
-              <a:t>2020-03-22</a:t>
+              <a:t>2020-03-25</a:t>
             </a:fld>
             <a:endParaRPr lang="ko-KR" altLang="en-US">
               <a:solidFill>
@@ -9615,7 +9616,7 @@
                 </a:solidFill>
               </a:rPr>
               <a:pPr/>
-              <a:t>2020-03-22</a:t>
+              <a:t>2020-03-25</a:t>
             </a:fld>
             <a:endParaRPr lang="ko-KR" altLang="en-US">
               <a:solidFill>
@@ -9858,7 +9859,7 @@
                 </a:solidFill>
               </a:rPr>
               <a:pPr/>
-              <a:t>2020-03-22</a:t>
+              <a:t>2020-03-25</a:t>
             </a:fld>
             <a:endParaRPr lang="ko-KR" altLang="en-US">
               <a:solidFill>
@@ -10626,6 +10627,351 @@
           <a:chExt cx="0" cy="0"/>
         </a:xfrm>
       </p:grpSpPr>
+      <p:sp>
+        <p:nvSpPr>
+          <p:cNvPr id="12" name="오른쪽 대괄호 11">
+            <a:extLst>
+              <a:ext uri="{FF2B5EF4-FFF2-40B4-BE49-F238E27FC236}">
+                <a16:creationId xmlns:a16="http://schemas.microsoft.com/office/drawing/2014/main" id="{F318FACD-37C9-4752-A3C7-0BD9AE25E547}"/>
+              </a:ext>
+            </a:extLst>
+          </p:cNvPr>
+          <p:cNvSpPr/>
+          <p:nvPr/>
+        </p:nvSpPr>
+        <p:spPr>
+          <a:xfrm rot="16200000">
+            <a:off x="2385517" y="-982554"/>
+            <a:ext cx="911461" cy="3994164"/>
+          </a:xfrm>
+          <a:prstGeom prst="rightBracket">
+            <a:avLst>
+              <a:gd name="adj" fmla="val 0"/>
+            </a:avLst>
+          </a:prstGeom>
+          <a:ln>
+            <a:solidFill>
+              <a:srgbClr val="70A9F0"/>
+            </a:solidFill>
+          </a:ln>
+        </p:spPr>
+        <p:style>
+          <a:lnRef idx="1">
+            <a:schemeClr val="accent1"/>
+          </a:lnRef>
+          <a:fillRef idx="0">
+            <a:schemeClr val="accent1"/>
+          </a:fillRef>
+          <a:effectRef idx="0">
+            <a:schemeClr val="accent1"/>
+          </a:effectRef>
+          <a:fontRef idx="minor">
+            <a:schemeClr val="tx1"/>
+          </a:fontRef>
+        </p:style>
+        <p:txBody>
+          <a:bodyPr rtlCol="0" anchor="ctr"/>
+          <a:lstStyle/>
+          <a:p>
+            <a:pPr algn="ctr"/>
+            <a:endParaRPr lang="ko-KR" altLang="en-US">
+              <a:solidFill>
+                <a:prstClr val="black"/>
+              </a:solidFill>
+              <a:latin typeface="나눔고딕" panose="020D0604000000000000" pitchFamily="50" charset="-127"/>
+              <a:ea typeface="나눔고딕" panose="020D0604000000000000" pitchFamily="50" charset="-127"/>
+            </a:endParaRPr>
+          </a:p>
+        </p:txBody>
+      </p:sp>
+      <p:cxnSp>
+        <p:nvCxnSpPr>
+          <p:cNvPr id="13" name="직선 연결선 12">
+            <a:extLst>
+              <a:ext uri="{FF2B5EF4-FFF2-40B4-BE49-F238E27FC236}">
+                <a16:creationId xmlns:a16="http://schemas.microsoft.com/office/drawing/2014/main" id="{8E6F8461-3FC7-40CD-86B2-5D298CF187A3}"/>
+              </a:ext>
+            </a:extLst>
+          </p:cNvPr>
+          <p:cNvCxnSpPr>
+            <a:cxnSpLocks/>
+            <a:stCxn id="12" idx="1"/>
+          </p:cNvCxnSpPr>
+          <p:nvPr/>
+        </p:nvCxnSpPr>
+        <p:spPr>
+          <a:xfrm>
+            <a:off x="4838330" y="1470258"/>
+            <a:ext cx="6282550" cy="6"/>
+          </a:xfrm>
+          <a:prstGeom prst="line">
+            <a:avLst/>
+          </a:prstGeom>
+        </p:spPr>
+        <p:style>
+          <a:lnRef idx="1">
+            <a:schemeClr val="accent1"/>
+          </a:lnRef>
+          <a:fillRef idx="0">
+            <a:schemeClr val="accent1"/>
+          </a:fillRef>
+          <a:effectRef idx="0">
+            <a:schemeClr val="accent1"/>
+          </a:effectRef>
+          <a:fontRef idx="minor">
+            <a:schemeClr val="tx1"/>
+          </a:fontRef>
+        </p:style>
+      </p:cxnSp>
+      <p:grpSp>
+        <p:nvGrpSpPr>
+          <p:cNvPr id="9" name="그룹 8">
+            <a:extLst>
+              <a:ext uri="{FF2B5EF4-FFF2-40B4-BE49-F238E27FC236}">
+                <a16:creationId xmlns:a16="http://schemas.microsoft.com/office/drawing/2014/main" id="{ED049ED7-640E-4FBA-A30E-22017312E53D}"/>
+              </a:ext>
+            </a:extLst>
+          </p:cNvPr>
+          <p:cNvGrpSpPr/>
+          <p:nvPr/>
+        </p:nvGrpSpPr>
+        <p:grpSpPr>
+          <a:xfrm>
+            <a:off x="569229" y="328637"/>
+            <a:ext cx="5413294" cy="1200329"/>
+            <a:chOff x="513756" y="380123"/>
+            <a:chExt cx="5298855" cy="1328558"/>
+          </a:xfrm>
+        </p:grpSpPr>
+        <p:sp>
+          <p:nvSpPr>
+            <p:cNvPr id="14" name="직사각형 13">
+              <a:extLst>
+                <a:ext uri="{FF2B5EF4-FFF2-40B4-BE49-F238E27FC236}">
+                  <a16:creationId xmlns:a16="http://schemas.microsoft.com/office/drawing/2014/main" id="{5EF73DA3-0A9B-4305-853B-CE2FDA26826D}"/>
+                </a:ext>
+              </a:extLst>
+            </p:cNvPr>
+            <p:cNvSpPr/>
+            <p:nvPr/>
+          </p:nvSpPr>
+          <p:spPr>
+            <a:xfrm>
+              <a:off x="513756" y="809633"/>
+              <a:ext cx="5298855" cy="783508"/>
+            </a:xfrm>
+            <a:prstGeom prst="rect">
+              <a:avLst/>
+            </a:prstGeom>
+          </p:spPr>
+          <p:txBody>
+            <a:bodyPr wrap="square">
+              <a:spAutoFit/>
+            </a:bodyPr>
+            <a:lstStyle/>
+            <a:p>
+              <a:pPr algn="ctr"/>
+              <a:r>
+                <a:rPr lang="ko-KR" altLang="en-US" sz="2000" dirty="0">
+                  <a:solidFill>
+                    <a:srgbClr val="70A9F0"/>
+                  </a:solidFill>
+                  <a:latin typeface="나눔고딕 ExtraBold" panose="020D0904000000000000" pitchFamily="50" charset="-127"/>
+                  <a:ea typeface="나눔고딕 ExtraBold" panose="020D0904000000000000" pitchFamily="50" charset="-127"/>
+                </a:rPr>
+                <a:t>딥러닝 기반 이미지 인식 </a:t>
+              </a:r>
+              <a:endParaRPr lang="en-US" altLang="ko-KR" sz="2000" dirty="0">
+                <a:solidFill>
+                  <a:srgbClr val="70A9F0"/>
+                </a:solidFill>
+                <a:latin typeface="나눔고딕 ExtraBold" panose="020D0904000000000000" pitchFamily="50" charset="-127"/>
+                <a:ea typeface="나눔고딕 ExtraBold" panose="020D0904000000000000" pitchFamily="50" charset="-127"/>
+              </a:endParaRPr>
+            </a:p>
+            <a:p>
+              <a:pPr algn="ctr"/>
+              <a:r>
+                <a:rPr lang="ko-KR" altLang="en-US" sz="2000" dirty="0">
+                  <a:solidFill>
+                    <a:srgbClr val="70A9F0"/>
+                  </a:solidFill>
+                  <a:latin typeface="나눔고딕 ExtraBold" panose="020D0904000000000000" pitchFamily="50" charset="-127"/>
+                  <a:ea typeface="나눔고딕 ExtraBold" panose="020D0904000000000000" pitchFamily="50" charset="-127"/>
+                </a:rPr>
+                <a:t>기술 동향</a:t>
+              </a:r>
+            </a:p>
+          </p:txBody>
+        </p:sp>
+        <p:sp>
+          <p:nvSpPr>
+            <p:cNvPr id="15" name="직사각형 14">
+              <a:extLst>
+                <a:ext uri="{FF2B5EF4-FFF2-40B4-BE49-F238E27FC236}">
+                  <a16:creationId xmlns:a16="http://schemas.microsoft.com/office/drawing/2014/main" id="{C15854B6-F7B0-472B-834E-3BDB0EFBA908}"/>
+                </a:ext>
+              </a:extLst>
+            </p:cNvPr>
+            <p:cNvSpPr/>
+            <p:nvPr/>
+          </p:nvSpPr>
+          <p:spPr>
+            <a:xfrm>
+              <a:off x="782880" y="380123"/>
+              <a:ext cx="1823791" cy="1328558"/>
+            </a:xfrm>
+            <a:prstGeom prst="rect">
+              <a:avLst/>
+            </a:prstGeom>
+          </p:spPr>
+          <p:txBody>
+            <a:bodyPr wrap="square">
+              <a:spAutoFit/>
+            </a:bodyPr>
+            <a:lstStyle/>
+            <a:p>
+              <a:r>
+                <a:rPr lang="en-US" altLang="ko-KR" sz="6000" dirty="0">
+                  <a:solidFill>
+                    <a:srgbClr val="70A9F0"/>
+                  </a:solidFill>
+                  <a:latin typeface="나눔고딕 ExtraBold" panose="020D0904000000000000" pitchFamily="50" charset="-127"/>
+                  <a:ea typeface="나눔고딕 ExtraBold" panose="020D0904000000000000" pitchFamily="50" charset="-127"/>
+                </a:rPr>
+                <a:t>02</a:t>
+              </a:r>
+              <a:r>
+                <a:rPr lang="en-US" altLang="ko-KR" sz="7200" dirty="0">
+                  <a:solidFill>
+                    <a:srgbClr val="70A9F0"/>
+                  </a:solidFill>
+                  <a:latin typeface="나눔고딕 ExtraBold" panose="020D0904000000000000" pitchFamily="50" charset="-127"/>
+                  <a:ea typeface="나눔고딕 ExtraBold" panose="020D0904000000000000" pitchFamily="50" charset="-127"/>
+                </a:rPr>
+                <a:t> </a:t>
+              </a:r>
+              <a:endParaRPr lang="ko-KR" altLang="en-US" sz="7200" dirty="0"/>
+            </a:p>
+          </p:txBody>
+        </p:sp>
+      </p:grpSp>
+      <p:graphicFrame>
+        <p:nvGraphicFramePr>
+          <p:cNvPr id="21" name="다이어그램 20">
+            <a:extLst>
+              <a:ext uri="{FF2B5EF4-FFF2-40B4-BE49-F238E27FC236}">
+                <a16:creationId xmlns:a16="http://schemas.microsoft.com/office/drawing/2014/main" id="{98B7B393-B286-4182-A5AE-51D4F71DBA75}"/>
+              </a:ext>
+            </a:extLst>
+          </p:cNvPr>
+          <p:cNvGraphicFramePr/>
+          <p:nvPr>
+            <p:extLst>
+              <p:ext uri="{D42A27DB-BD31-4B8C-83A1-F6EECF244321}">
+                <p14:modId xmlns:p14="http://schemas.microsoft.com/office/powerpoint/2010/main" val="4028612163"/>
+              </p:ext>
+            </p:extLst>
+          </p:nvPr>
+        </p:nvGraphicFramePr>
+        <p:xfrm>
+          <a:off x="844165" y="2590454"/>
+          <a:ext cx="10631701" cy="3550854"/>
+        </p:xfrm>
+        <a:graphic>
+          <a:graphicData uri="http://schemas.openxmlformats.org/drawingml/2006/diagram">
+            <dgm:relIds xmlns:dgm="http://schemas.openxmlformats.org/drawingml/2006/diagram" xmlns:r="http://schemas.openxmlformats.org/officeDocument/2006/relationships" r:dm="rId2" r:lo="rId3" r:qs="rId4" r:cs="rId5"/>
+          </a:graphicData>
+        </a:graphic>
+      </p:graphicFrame>
+      <p:sp>
+        <p:nvSpPr>
+          <p:cNvPr id="22" name="TextBox 21">
+            <a:extLst>
+              <a:ext uri="{FF2B5EF4-FFF2-40B4-BE49-F238E27FC236}">
+                <a16:creationId xmlns:a16="http://schemas.microsoft.com/office/drawing/2014/main" id="{7ECEA004-D3A0-453F-A380-12A74DBA2101}"/>
+              </a:ext>
+            </a:extLst>
+          </p:cNvPr>
+          <p:cNvSpPr txBox="1"/>
+          <p:nvPr/>
+        </p:nvSpPr>
+        <p:spPr>
+          <a:xfrm>
+            <a:off x="844165" y="1673648"/>
+            <a:ext cx="5215407" cy="369332"/>
+          </a:xfrm>
+          <a:prstGeom prst="rect">
+            <a:avLst/>
+          </a:prstGeom>
+          <a:noFill/>
+        </p:spPr>
+        <p:txBody>
+          <a:bodyPr wrap="square" rtlCol="0">
+            <a:spAutoFit/>
+          </a:bodyPr>
+          <a:lstStyle/>
+          <a:p>
+            <a:r>
+              <a:rPr lang="en-US" altLang="ko-KR" dirty="0">
+                <a:solidFill>
+                  <a:srgbClr val="70A9F0"/>
+                </a:solidFill>
+                <a:latin typeface="나눔고딕 ExtraBold" panose="020D0904000000000000" pitchFamily="50" charset="-127"/>
+                <a:ea typeface="나눔고딕 ExtraBold" panose="020D0904000000000000" pitchFamily="50" charset="-127"/>
+              </a:rPr>
+              <a:t>2. </a:t>
+            </a:r>
+            <a:r>
+              <a:rPr lang="ko-KR" altLang="en-US" dirty="0">
+                <a:solidFill>
+                  <a:srgbClr val="70A9F0"/>
+                </a:solidFill>
+                <a:latin typeface="나눔고딕 ExtraBold" panose="020D0904000000000000" pitchFamily="50" charset="-127"/>
+                <a:ea typeface="나눔고딕 ExtraBold" panose="020D0904000000000000" pitchFamily="50" charset="-127"/>
+              </a:rPr>
+              <a:t>인공지능 학습의 한계 극복</a:t>
+            </a:r>
+            <a:endParaRPr lang="en-US" altLang="ko-KR" dirty="0">
+              <a:solidFill>
+                <a:srgbClr val="70A9F0"/>
+              </a:solidFill>
+              <a:latin typeface="나눔고딕 ExtraBold" panose="020D0904000000000000" pitchFamily="50" charset="-127"/>
+              <a:ea typeface="나눔고딕 ExtraBold" panose="020D0904000000000000" pitchFamily="50" charset="-127"/>
+            </a:endParaRPr>
+          </a:p>
+        </p:txBody>
+      </p:sp>
+    </p:spTree>
+    <p:extLst>
+      <p:ext uri="{BB962C8B-B14F-4D97-AF65-F5344CB8AC3E}">
+        <p14:creationId xmlns:p14="http://schemas.microsoft.com/office/powerpoint/2010/main" val="2225780021"/>
+      </p:ext>
+    </p:extLst>
+  </p:cSld>
+  <p:clrMapOvr>
+    <a:masterClrMapping/>
+  </p:clrMapOvr>
+</p:sld>
+</file>
+
+<file path=ppt/slides/slide11.xml><?xml version="1.0" encoding="utf-8"?>
+<p:sld xmlns:a="http://schemas.openxmlformats.org/drawingml/2006/main" xmlns:r="http://schemas.openxmlformats.org/officeDocument/2006/relationships" xmlns:p="http://schemas.openxmlformats.org/presentationml/2006/main">
+  <p:cSld>
+    <p:spTree>
+      <p:nvGrpSpPr>
+        <p:cNvPr id="1" name=""/>
+        <p:cNvGrpSpPr/>
+        <p:nvPr/>
+      </p:nvGrpSpPr>
+      <p:grpSpPr>
+        <a:xfrm>
+          <a:off x="0" y="0"/>
+          <a:ext cx="0" cy="0"/>
+          <a:chOff x="0" y="0"/>
+          <a:chExt cx="0" cy="0"/>
+        </a:xfrm>
+      </p:grpSpPr>
       <p:pic>
         <p:nvPicPr>
           <p:cNvPr id="11" name="그림 10">
@@ -11010,7 +11356,7 @@
 </p:sld>
 </file>
 
-<file path=ppt/slides/slide11.xml><?xml version="1.0" encoding="utf-8"?>
+<file path=ppt/slides/slide12.xml><?xml version="1.0" encoding="utf-8"?>
 <p:sld xmlns:a="http://schemas.openxmlformats.org/drawingml/2006/main" xmlns:r="http://schemas.openxmlformats.org/officeDocument/2006/relationships" xmlns:p="http://schemas.openxmlformats.org/presentationml/2006/main">
   <p:cSld>
     <p:spTree>
@@ -11431,399 +11777,6 @@
     <p:extLst>
       <p:ext uri="{BB962C8B-B14F-4D97-AF65-F5344CB8AC3E}">
         <p14:creationId xmlns:p14="http://schemas.microsoft.com/office/powerpoint/2010/main" val="1509877535"/>
-      </p:ext>
-    </p:extLst>
-  </p:cSld>
-  <p:clrMapOvr>
-    <a:masterClrMapping/>
-  </p:clrMapOvr>
-</p:sld>
-</file>
-
-<file path=ppt/slides/slide12.xml><?xml version="1.0" encoding="utf-8"?>
-<p:sld xmlns:a="http://schemas.openxmlformats.org/drawingml/2006/main" xmlns:r="http://schemas.openxmlformats.org/officeDocument/2006/relationships" xmlns:p="http://schemas.openxmlformats.org/presentationml/2006/main">
-  <p:cSld>
-    <p:spTree>
-      <p:nvGrpSpPr>
-        <p:cNvPr id="1" name=""/>
-        <p:cNvGrpSpPr/>
-        <p:nvPr/>
-      </p:nvGrpSpPr>
-      <p:grpSpPr>
-        <a:xfrm>
-          <a:off x="0" y="0"/>
-          <a:ext cx="0" cy="0"/>
-          <a:chOff x="0" y="0"/>
-          <a:chExt cx="0" cy="0"/>
-        </a:xfrm>
-      </p:grpSpPr>
-      <p:sp>
-        <p:nvSpPr>
-          <p:cNvPr id="10" name="오른쪽 대괄호 9">
-            <a:extLst>
-              <a:ext uri="{FF2B5EF4-FFF2-40B4-BE49-F238E27FC236}">
-                <a16:creationId xmlns:a16="http://schemas.microsoft.com/office/drawing/2014/main" id="{9094C3CC-B15E-41C9-A47E-C88EA72F68D1}"/>
-              </a:ext>
-            </a:extLst>
-          </p:cNvPr>
-          <p:cNvSpPr/>
-          <p:nvPr/>
-        </p:nvSpPr>
-        <p:spPr>
-          <a:xfrm rot="16200000">
-            <a:off x="2385517" y="-982554"/>
-            <a:ext cx="911461" cy="3994164"/>
-          </a:xfrm>
-          <a:prstGeom prst="rightBracket">
-            <a:avLst>
-              <a:gd name="adj" fmla="val 0"/>
-            </a:avLst>
-          </a:prstGeom>
-          <a:ln>
-            <a:solidFill>
-              <a:srgbClr val="70A9F0"/>
-            </a:solidFill>
-          </a:ln>
-        </p:spPr>
-        <p:style>
-          <a:lnRef idx="1">
-            <a:schemeClr val="accent1"/>
-          </a:lnRef>
-          <a:fillRef idx="0">
-            <a:schemeClr val="accent1"/>
-          </a:fillRef>
-          <a:effectRef idx="0">
-            <a:schemeClr val="accent1"/>
-          </a:effectRef>
-          <a:fontRef idx="minor">
-            <a:schemeClr val="tx1"/>
-          </a:fontRef>
-        </p:style>
-        <p:txBody>
-          <a:bodyPr rtlCol="0" anchor="ctr"/>
-          <a:lstStyle/>
-          <a:p>
-            <a:pPr algn="ctr"/>
-            <a:endParaRPr lang="ko-KR" altLang="en-US">
-              <a:solidFill>
-                <a:prstClr val="black"/>
-              </a:solidFill>
-              <a:latin typeface="나눔고딕" panose="020D0604000000000000" pitchFamily="50" charset="-127"/>
-              <a:ea typeface="나눔고딕" panose="020D0604000000000000" pitchFamily="50" charset="-127"/>
-            </a:endParaRPr>
-          </a:p>
-        </p:txBody>
-      </p:sp>
-      <p:cxnSp>
-        <p:nvCxnSpPr>
-          <p:cNvPr id="13" name="직선 연결선 12">
-            <a:extLst>
-              <a:ext uri="{FF2B5EF4-FFF2-40B4-BE49-F238E27FC236}">
-                <a16:creationId xmlns:a16="http://schemas.microsoft.com/office/drawing/2014/main" id="{69A7FB56-F76E-479E-A117-DCA9D0DA9A71}"/>
-              </a:ext>
-            </a:extLst>
-          </p:cNvPr>
-          <p:cNvCxnSpPr>
-            <a:cxnSpLocks/>
-            <a:stCxn id="10" idx="1"/>
-          </p:cNvCxnSpPr>
-          <p:nvPr/>
-        </p:nvCxnSpPr>
-        <p:spPr>
-          <a:xfrm>
-            <a:off x="4838330" y="1470258"/>
-            <a:ext cx="6282550" cy="6"/>
-          </a:xfrm>
-          <a:prstGeom prst="line">
-            <a:avLst/>
-          </a:prstGeom>
-        </p:spPr>
-        <p:style>
-          <a:lnRef idx="1">
-            <a:schemeClr val="accent1"/>
-          </a:lnRef>
-          <a:fillRef idx="0">
-            <a:schemeClr val="accent1"/>
-          </a:fillRef>
-          <a:effectRef idx="0">
-            <a:schemeClr val="accent1"/>
-          </a:effectRef>
-          <a:fontRef idx="minor">
-            <a:schemeClr val="tx1"/>
-          </a:fontRef>
-        </p:style>
-      </p:cxnSp>
-      <p:sp>
-        <p:nvSpPr>
-          <p:cNvPr id="16" name="직사각형 15">
-            <a:extLst>
-              <a:ext uri="{FF2B5EF4-FFF2-40B4-BE49-F238E27FC236}">
-                <a16:creationId xmlns:a16="http://schemas.microsoft.com/office/drawing/2014/main" id="{71316981-E4BD-49E0-880D-ABB439821013}"/>
-              </a:ext>
-            </a:extLst>
-          </p:cNvPr>
-          <p:cNvSpPr/>
-          <p:nvPr/>
-        </p:nvSpPr>
-        <p:spPr>
-          <a:xfrm>
-            <a:off x="569229" y="716692"/>
-            <a:ext cx="5413294" cy="707886"/>
-          </a:xfrm>
-          <a:prstGeom prst="rect">
-            <a:avLst/>
-          </a:prstGeom>
-        </p:spPr>
-        <p:txBody>
-          <a:bodyPr wrap="square">
-            <a:spAutoFit/>
-          </a:bodyPr>
-          <a:lstStyle/>
-          <a:p>
-            <a:pPr algn="ctr"/>
-            <a:r>
-              <a:rPr lang="ko-KR" altLang="en-US" sz="2000" dirty="0">
-                <a:solidFill>
-                  <a:srgbClr val="70A9F0"/>
-                </a:solidFill>
-                <a:latin typeface="나눔고딕 ExtraBold" panose="020D0904000000000000" pitchFamily="50" charset="-127"/>
-                <a:ea typeface="나눔고딕 ExtraBold" panose="020D0904000000000000" pitchFamily="50" charset="-127"/>
-              </a:rPr>
-              <a:t>딥러닝 기반 이미지 인식 </a:t>
-            </a:r>
-            <a:endParaRPr lang="en-US" altLang="ko-KR" sz="2000" dirty="0">
-              <a:solidFill>
-                <a:srgbClr val="70A9F0"/>
-              </a:solidFill>
-              <a:latin typeface="나눔고딕 ExtraBold" panose="020D0904000000000000" pitchFamily="50" charset="-127"/>
-              <a:ea typeface="나눔고딕 ExtraBold" panose="020D0904000000000000" pitchFamily="50" charset="-127"/>
-            </a:endParaRPr>
-          </a:p>
-          <a:p>
-            <a:pPr algn="ctr"/>
-            <a:r>
-              <a:rPr lang="ko-KR" altLang="en-US" sz="2000" dirty="0">
-                <a:solidFill>
-                  <a:srgbClr val="70A9F0"/>
-                </a:solidFill>
-                <a:latin typeface="나눔고딕 ExtraBold" panose="020D0904000000000000" pitchFamily="50" charset="-127"/>
-                <a:ea typeface="나눔고딕 ExtraBold" panose="020D0904000000000000" pitchFamily="50" charset="-127"/>
-              </a:rPr>
-              <a:t>기술 동향</a:t>
-            </a:r>
-          </a:p>
-        </p:txBody>
-      </p:sp>
-      <p:sp>
-        <p:nvSpPr>
-          <p:cNvPr id="19" name="직사각형 18">
-            <a:extLst>
-              <a:ext uri="{FF2B5EF4-FFF2-40B4-BE49-F238E27FC236}">
-                <a16:creationId xmlns:a16="http://schemas.microsoft.com/office/drawing/2014/main" id="{B1F1C813-E00D-4A67-9A5F-B70909574C4D}"/>
-              </a:ext>
-            </a:extLst>
-          </p:cNvPr>
-          <p:cNvSpPr/>
-          <p:nvPr/>
-        </p:nvSpPr>
-        <p:spPr>
-          <a:xfrm>
-            <a:off x="844165" y="328637"/>
-            <a:ext cx="1863179" cy="1200329"/>
-          </a:xfrm>
-          <a:prstGeom prst="rect">
-            <a:avLst/>
-          </a:prstGeom>
-        </p:spPr>
-        <p:txBody>
-          <a:bodyPr wrap="square">
-            <a:spAutoFit/>
-          </a:bodyPr>
-          <a:lstStyle/>
-          <a:p>
-            <a:r>
-              <a:rPr lang="en-US" altLang="ko-KR" sz="6000" dirty="0">
-                <a:solidFill>
-                  <a:srgbClr val="70A9F0"/>
-                </a:solidFill>
-                <a:latin typeface="나눔고딕 ExtraBold" panose="020D0904000000000000" pitchFamily="50" charset="-127"/>
-                <a:ea typeface="나눔고딕 ExtraBold" panose="020D0904000000000000" pitchFamily="50" charset="-127"/>
-              </a:rPr>
-              <a:t>02</a:t>
-            </a:r>
-            <a:r>
-              <a:rPr lang="en-US" altLang="ko-KR" sz="7200" dirty="0">
-                <a:solidFill>
-                  <a:srgbClr val="70A9F0"/>
-                </a:solidFill>
-                <a:latin typeface="나눔고딕 ExtraBold" panose="020D0904000000000000" pitchFamily="50" charset="-127"/>
-                <a:ea typeface="나눔고딕 ExtraBold" panose="020D0904000000000000" pitchFamily="50" charset="-127"/>
-              </a:rPr>
-              <a:t> </a:t>
-            </a:r>
-            <a:endParaRPr lang="ko-KR" altLang="en-US" sz="7200" dirty="0"/>
-          </a:p>
-        </p:txBody>
-      </p:sp>
-      <p:pic>
-        <p:nvPicPr>
-          <p:cNvPr id="17" name="그림 16">
-            <a:extLst>
-              <a:ext uri="{FF2B5EF4-FFF2-40B4-BE49-F238E27FC236}">
-                <a16:creationId xmlns:a16="http://schemas.microsoft.com/office/drawing/2014/main" id="{4979BD33-1068-4626-A56B-F3DED3311489}"/>
-              </a:ext>
-            </a:extLst>
-          </p:cNvPr>
-          <p:cNvPicPr/>
-          <p:nvPr/>
-        </p:nvPicPr>
-        <p:blipFill>
-          <a:blip r:embed="rId2">
-            <a:extLst>
-              <a:ext uri="{28A0092B-C50C-407E-A947-70E740481C1C}">
-                <a14:useLocalDpi xmlns:a14="http://schemas.microsoft.com/office/drawing/2010/main" val="0"/>
-              </a:ext>
-            </a:extLst>
-          </a:blip>
-          <a:srcRect/>
-          <a:stretch/>
-        </p:blipFill>
-        <p:spPr>
-          <a:xfrm>
-            <a:off x="1867211" y="2042980"/>
-            <a:ext cx="8457578" cy="4081620"/>
-          </a:xfrm>
-          <a:prstGeom prst="rect">
-            <a:avLst/>
-          </a:prstGeom>
-        </p:spPr>
-      </p:pic>
-      <p:sp>
-        <p:nvSpPr>
-          <p:cNvPr id="23" name="직사각형 22">
-            <a:extLst>
-              <a:ext uri="{FF2B5EF4-FFF2-40B4-BE49-F238E27FC236}">
-                <a16:creationId xmlns:a16="http://schemas.microsoft.com/office/drawing/2014/main" id="{734CC00B-3A50-43DE-8068-AD9AB5F90F9B}"/>
-              </a:ext>
-            </a:extLst>
-          </p:cNvPr>
-          <p:cNvSpPr/>
-          <p:nvPr/>
-        </p:nvSpPr>
-        <p:spPr>
-          <a:xfrm>
-            <a:off x="8966123" y="6124600"/>
-            <a:ext cx="2154757" cy="246221"/>
-          </a:xfrm>
-          <a:prstGeom prst="rect">
-            <a:avLst/>
-          </a:prstGeom>
-        </p:spPr>
-        <p:txBody>
-          <a:bodyPr wrap="none">
-            <a:spAutoFit/>
-          </a:bodyPr>
-          <a:lstStyle/>
-          <a:p>
-            <a:r>
-              <a:rPr lang="ko-KR" altLang="ko-KR" sz="1000" dirty="0">
-                <a:latin typeface="나눔고딕" panose="020D0604000000000000" pitchFamily="50" charset="-127"/>
-                <a:ea typeface="나눔고딕" panose="020D0604000000000000" pitchFamily="50" charset="-127"/>
-              </a:rPr>
-              <a:t>출처</a:t>
-            </a:r>
-            <a:r>
-              <a:rPr lang="en-US" altLang="ko-KR" sz="1000" dirty="0">
-                <a:latin typeface="나눔고딕" panose="020D0604000000000000" pitchFamily="50" charset="-127"/>
-                <a:ea typeface="나눔고딕" panose="020D0604000000000000" pitchFamily="50" charset="-127"/>
-              </a:rPr>
-              <a:t>: </a:t>
-            </a:r>
-            <a:r>
-              <a:rPr lang="en-US" altLang="ko-KR" sz="1000" dirty="0"/>
-              <a:t>https://www.brandidea.com/</a:t>
-            </a:r>
-            <a:endParaRPr lang="ko-KR" altLang="ko-KR" sz="1000" dirty="0">
-              <a:latin typeface="나눔고딕" panose="020D0604000000000000" pitchFamily="50" charset="-127"/>
-              <a:ea typeface="나눔고딕" panose="020D0604000000000000" pitchFamily="50" charset="-127"/>
-            </a:endParaRPr>
-          </a:p>
-        </p:txBody>
-      </p:sp>
-      <p:sp>
-        <p:nvSpPr>
-          <p:cNvPr id="24" name="TextBox 23">
-            <a:extLst>
-              <a:ext uri="{FF2B5EF4-FFF2-40B4-BE49-F238E27FC236}">
-                <a16:creationId xmlns:a16="http://schemas.microsoft.com/office/drawing/2014/main" id="{E290D7EA-1E7E-44B2-8ACE-09F2E33E3FBB}"/>
-              </a:ext>
-            </a:extLst>
-          </p:cNvPr>
-          <p:cNvSpPr txBox="1"/>
-          <p:nvPr/>
-        </p:nvSpPr>
-        <p:spPr>
-          <a:xfrm>
-            <a:off x="844165" y="1673648"/>
-            <a:ext cx="5215407" cy="600164"/>
-          </a:xfrm>
-          <a:prstGeom prst="rect">
-            <a:avLst/>
-          </a:prstGeom>
-          <a:noFill/>
-        </p:spPr>
-        <p:txBody>
-          <a:bodyPr wrap="square" rtlCol="0">
-            <a:spAutoFit/>
-          </a:bodyPr>
-          <a:lstStyle/>
-          <a:p>
-            <a:r>
-              <a:rPr lang="en-US" altLang="ko-KR" dirty="0">
-                <a:solidFill>
-                  <a:srgbClr val="70A9F0"/>
-                </a:solidFill>
-                <a:latin typeface="나눔고딕 ExtraBold" panose="020D0904000000000000" pitchFamily="50" charset="-127"/>
-                <a:ea typeface="나눔고딕 ExtraBold" panose="020D0904000000000000" pitchFamily="50" charset="-127"/>
-              </a:rPr>
-              <a:t>2. </a:t>
-            </a:r>
-            <a:r>
-              <a:rPr lang="ko-KR" altLang="en-US" dirty="0">
-                <a:solidFill>
-                  <a:srgbClr val="70A9F0"/>
-                </a:solidFill>
-                <a:latin typeface="나눔고딕 ExtraBold" panose="020D0904000000000000" pitchFamily="50" charset="-127"/>
-                <a:ea typeface="나눔고딕 ExtraBold" panose="020D0904000000000000" pitchFamily="50" charset="-127"/>
-              </a:rPr>
-              <a:t>인공지능 학습의 한계 극복</a:t>
-            </a:r>
-            <a:endParaRPr lang="en-US" altLang="ko-KR" dirty="0">
-              <a:solidFill>
-                <a:srgbClr val="70A9F0"/>
-              </a:solidFill>
-              <a:latin typeface="나눔고딕 ExtraBold" panose="020D0904000000000000" pitchFamily="50" charset="-127"/>
-              <a:ea typeface="나눔고딕 ExtraBold" panose="020D0904000000000000" pitchFamily="50" charset="-127"/>
-            </a:endParaRPr>
-          </a:p>
-          <a:p>
-            <a:r>
-              <a:rPr lang="en-US" altLang="ko-KR" sz="1500" dirty="0">
-                <a:solidFill>
-                  <a:srgbClr val="70A9F0"/>
-                </a:solidFill>
-                <a:latin typeface="나눔고딕 ExtraBold" panose="020D0904000000000000" pitchFamily="50" charset="-127"/>
-                <a:ea typeface="나눔고딕 ExtraBold" panose="020D0904000000000000" pitchFamily="50" charset="-127"/>
-              </a:rPr>
-              <a:t>      - Active learning</a:t>
-            </a:r>
-          </a:p>
-        </p:txBody>
-      </p:sp>
-    </p:spTree>
-    <p:extLst>
-      <p:ext uri="{BB962C8B-B14F-4D97-AF65-F5344CB8AC3E}">
-        <p14:creationId xmlns:p14="http://schemas.microsoft.com/office/powerpoint/2010/main" val="2772400769"/>
       </p:ext>
     </p:extLst>
   </p:cSld>
@@ -12058,6 +12011,91 @@
           </a:p>
         </p:txBody>
       </p:sp>
+      <p:pic>
+        <p:nvPicPr>
+          <p:cNvPr id="17" name="그림 16">
+            <a:extLst>
+              <a:ext uri="{FF2B5EF4-FFF2-40B4-BE49-F238E27FC236}">
+                <a16:creationId xmlns:a16="http://schemas.microsoft.com/office/drawing/2014/main" id="{4979BD33-1068-4626-A56B-F3DED3311489}"/>
+              </a:ext>
+            </a:extLst>
+          </p:cNvPr>
+          <p:cNvPicPr/>
+          <p:nvPr/>
+        </p:nvPicPr>
+        <p:blipFill>
+          <a:blip r:embed="rId2">
+            <a:extLst>
+              <a:ext uri="{28A0092B-C50C-407E-A947-70E740481C1C}">
+                <a14:useLocalDpi xmlns:a14="http://schemas.microsoft.com/office/drawing/2010/main" val="0"/>
+              </a:ext>
+            </a:extLst>
+          </a:blip>
+          <a:srcRect/>
+          <a:stretch/>
+        </p:blipFill>
+        <p:spPr>
+          <a:xfrm>
+            <a:off x="1867211" y="2042980"/>
+            <a:ext cx="8457578" cy="4081620"/>
+          </a:xfrm>
+          <a:prstGeom prst="rect">
+            <a:avLst/>
+          </a:prstGeom>
+        </p:spPr>
+      </p:pic>
+      <p:sp>
+        <p:nvSpPr>
+          <p:cNvPr id="23" name="직사각형 22">
+            <a:extLst>
+              <a:ext uri="{FF2B5EF4-FFF2-40B4-BE49-F238E27FC236}">
+                <a16:creationId xmlns:a16="http://schemas.microsoft.com/office/drawing/2014/main" id="{734CC00B-3A50-43DE-8068-AD9AB5F90F9B}"/>
+              </a:ext>
+            </a:extLst>
+          </p:cNvPr>
+          <p:cNvSpPr/>
+          <p:nvPr/>
+        </p:nvSpPr>
+        <p:spPr>
+          <a:xfrm>
+            <a:off x="8966123" y="6124600"/>
+            <a:ext cx="2154757" cy="246221"/>
+          </a:xfrm>
+          <a:prstGeom prst="rect">
+            <a:avLst/>
+          </a:prstGeom>
+        </p:spPr>
+        <p:txBody>
+          <a:bodyPr wrap="none">
+            <a:spAutoFit/>
+          </a:bodyPr>
+          <a:lstStyle/>
+          <a:p>
+            <a:r>
+              <a:rPr lang="ko-KR" altLang="ko-KR" sz="1000" dirty="0">
+                <a:latin typeface="나눔고딕" panose="020D0604000000000000" pitchFamily="50" charset="-127"/>
+                <a:ea typeface="나눔고딕" panose="020D0604000000000000" pitchFamily="50" charset="-127"/>
+              </a:rPr>
+              <a:t>출처</a:t>
+            </a:r>
+            <a:r>
+              <a:rPr lang="en-US" altLang="ko-KR" sz="1000" dirty="0">
+                <a:latin typeface="나눔고딕" panose="020D0604000000000000" pitchFamily="50" charset="-127"/>
+                <a:ea typeface="나눔고딕" panose="020D0604000000000000" pitchFamily="50" charset="-127"/>
+              </a:rPr>
+              <a:t>: </a:t>
+            </a:r>
+            <a:r>
+              <a:rPr lang="en-US" altLang="ko-KR" sz="1000" dirty="0"/>
+              <a:t>https://www.brandidea.com/</a:t>
+            </a:r>
+            <a:endParaRPr lang="ko-KR" altLang="ko-KR" sz="1000" dirty="0">
+              <a:latin typeface="나눔고딕" panose="020D0604000000000000" pitchFamily="50" charset="-127"/>
+              <a:ea typeface="나눔고딕" panose="020D0604000000000000" pitchFamily="50" charset="-127"/>
+            </a:endParaRPr>
+          </a:p>
+        </p:txBody>
+      </p:sp>
       <p:sp>
         <p:nvSpPr>
           <p:cNvPr id="24" name="TextBox 23">
@@ -12123,60 +12161,15 @@
                 <a:latin typeface="나눔고딕 ExtraBold" panose="020D0904000000000000" pitchFamily="50" charset="-127"/>
                 <a:ea typeface="나눔고딕 ExtraBold" panose="020D0904000000000000" pitchFamily="50" charset="-127"/>
               </a:rPr>
-              <a:t>      - </a:t>
-            </a:r>
-            <a:r>
-              <a:rPr lang="ko-KR" altLang="en-US" sz="1500" dirty="0">
-                <a:solidFill>
-                  <a:srgbClr val="70A9F0"/>
-                </a:solidFill>
-                <a:latin typeface="나눔고딕 ExtraBold" panose="020D0904000000000000" pitchFamily="50" charset="-127"/>
-                <a:ea typeface="나눔고딕 ExtraBold" panose="020D0904000000000000" pitchFamily="50" charset="-127"/>
-              </a:rPr>
-              <a:t>인공지능 전문가를 대신할 학습 자동화</a:t>
-            </a:r>
-            <a:endParaRPr lang="en-US" altLang="ko-KR" sz="1500" dirty="0">
-              <a:solidFill>
-                <a:srgbClr val="70A9F0"/>
-              </a:solidFill>
-              <a:latin typeface="나눔고딕 ExtraBold" panose="020D0904000000000000" pitchFamily="50" charset="-127"/>
-              <a:ea typeface="나눔고딕 ExtraBold" panose="020D0904000000000000" pitchFamily="50" charset="-127"/>
-            </a:endParaRPr>
+              <a:t>      - Active learning</a:t>
+            </a:r>
           </a:p>
         </p:txBody>
       </p:sp>
-      <p:graphicFrame>
-        <p:nvGraphicFramePr>
-          <p:cNvPr id="9" name="다이어그램 8">
-            <a:extLst>
-              <a:ext uri="{FF2B5EF4-FFF2-40B4-BE49-F238E27FC236}">
-                <a16:creationId xmlns:a16="http://schemas.microsoft.com/office/drawing/2014/main" id="{0D7B4759-1A2C-4283-905A-5BCCFD35DE2D}"/>
-              </a:ext>
-            </a:extLst>
-          </p:cNvPr>
-          <p:cNvGraphicFramePr/>
-          <p:nvPr>
-            <p:extLst>
-              <p:ext uri="{D42A27DB-BD31-4B8C-83A1-F6EECF244321}">
-                <p14:modId xmlns:p14="http://schemas.microsoft.com/office/powerpoint/2010/main" val="3603062988"/>
-              </p:ext>
-            </p:extLst>
-          </p:nvPr>
-        </p:nvGraphicFramePr>
-        <p:xfrm>
-          <a:off x="844165" y="2526323"/>
-          <a:ext cx="10631701" cy="4003040"/>
-        </p:xfrm>
-        <a:graphic>
-          <a:graphicData uri="http://schemas.openxmlformats.org/drawingml/2006/diagram">
-            <dgm:relIds xmlns:dgm="http://schemas.openxmlformats.org/drawingml/2006/diagram" xmlns:r="http://schemas.openxmlformats.org/officeDocument/2006/relationships" r:dm="rId2" r:lo="rId3" r:qs="rId4" r:cs="rId5"/>
-          </a:graphicData>
-        </a:graphic>
-      </p:graphicFrame>
     </p:spTree>
     <p:extLst>
       <p:ext uri="{BB962C8B-B14F-4D97-AF65-F5344CB8AC3E}">
-        <p14:creationId xmlns:p14="http://schemas.microsoft.com/office/powerpoint/2010/main" val="3098157062"/>
+        <p14:creationId xmlns:p14="http://schemas.microsoft.com/office/powerpoint/2010/main" val="2772400769"/>
       </p:ext>
     </p:extLst>
   </p:cSld>
@@ -12486,6 +12479,359 @@
                 <a:latin typeface="나눔고딕 ExtraBold" panose="020D0904000000000000" pitchFamily="50" charset="-127"/>
                 <a:ea typeface="나눔고딕 ExtraBold" panose="020D0904000000000000" pitchFamily="50" charset="-127"/>
               </a:rPr>
+              <a:t>인공지능 전문가를 대신할 학습 자동화</a:t>
+            </a:r>
+            <a:endParaRPr lang="en-US" altLang="ko-KR" sz="1500" dirty="0">
+              <a:solidFill>
+                <a:srgbClr val="70A9F0"/>
+              </a:solidFill>
+              <a:latin typeface="나눔고딕 ExtraBold" panose="020D0904000000000000" pitchFamily="50" charset="-127"/>
+              <a:ea typeface="나눔고딕 ExtraBold" panose="020D0904000000000000" pitchFamily="50" charset="-127"/>
+            </a:endParaRPr>
+          </a:p>
+        </p:txBody>
+      </p:sp>
+      <p:graphicFrame>
+        <p:nvGraphicFramePr>
+          <p:cNvPr id="9" name="다이어그램 8">
+            <a:extLst>
+              <a:ext uri="{FF2B5EF4-FFF2-40B4-BE49-F238E27FC236}">
+                <a16:creationId xmlns:a16="http://schemas.microsoft.com/office/drawing/2014/main" id="{0D7B4759-1A2C-4283-905A-5BCCFD35DE2D}"/>
+              </a:ext>
+            </a:extLst>
+          </p:cNvPr>
+          <p:cNvGraphicFramePr/>
+          <p:nvPr>
+            <p:extLst>
+              <p:ext uri="{D42A27DB-BD31-4B8C-83A1-F6EECF244321}">
+                <p14:modId xmlns:p14="http://schemas.microsoft.com/office/powerpoint/2010/main" val="3603062988"/>
+              </p:ext>
+            </p:extLst>
+          </p:nvPr>
+        </p:nvGraphicFramePr>
+        <p:xfrm>
+          <a:off x="844165" y="2526323"/>
+          <a:ext cx="10631701" cy="4003040"/>
+        </p:xfrm>
+        <a:graphic>
+          <a:graphicData uri="http://schemas.openxmlformats.org/drawingml/2006/diagram">
+            <dgm:relIds xmlns:dgm="http://schemas.openxmlformats.org/drawingml/2006/diagram" xmlns:r="http://schemas.openxmlformats.org/officeDocument/2006/relationships" r:dm="rId2" r:lo="rId3" r:qs="rId4" r:cs="rId5"/>
+          </a:graphicData>
+        </a:graphic>
+      </p:graphicFrame>
+    </p:spTree>
+    <p:extLst>
+      <p:ext uri="{BB962C8B-B14F-4D97-AF65-F5344CB8AC3E}">
+        <p14:creationId xmlns:p14="http://schemas.microsoft.com/office/powerpoint/2010/main" val="3098157062"/>
+      </p:ext>
+    </p:extLst>
+  </p:cSld>
+  <p:clrMapOvr>
+    <a:masterClrMapping/>
+  </p:clrMapOvr>
+</p:sld>
+</file>
+
+<file path=ppt/slides/slide15.xml><?xml version="1.0" encoding="utf-8"?>
+<p:sld xmlns:a="http://schemas.openxmlformats.org/drawingml/2006/main" xmlns:r="http://schemas.openxmlformats.org/officeDocument/2006/relationships" xmlns:p="http://schemas.openxmlformats.org/presentationml/2006/main">
+  <p:cSld>
+    <p:spTree>
+      <p:nvGrpSpPr>
+        <p:cNvPr id="1" name=""/>
+        <p:cNvGrpSpPr/>
+        <p:nvPr/>
+      </p:nvGrpSpPr>
+      <p:grpSpPr>
+        <a:xfrm>
+          <a:off x="0" y="0"/>
+          <a:ext cx="0" cy="0"/>
+          <a:chOff x="0" y="0"/>
+          <a:chExt cx="0" cy="0"/>
+        </a:xfrm>
+      </p:grpSpPr>
+      <p:sp>
+        <p:nvSpPr>
+          <p:cNvPr id="10" name="오른쪽 대괄호 9">
+            <a:extLst>
+              <a:ext uri="{FF2B5EF4-FFF2-40B4-BE49-F238E27FC236}">
+                <a16:creationId xmlns:a16="http://schemas.microsoft.com/office/drawing/2014/main" id="{9094C3CC-B15E-41C9-A47E-C88EA72F68D1}"/>
+              </a:ext>
+            </a:extLst>
+          </p:cNvPr>
+          <p:cNvSpPr/>
+          <p:nvPr/>
+        </p:nvSpPr>
+        <p:spPr>
+          <a:xfrm rot="16200000">
+            <a:off x="2385517" y="-982554"/>
+            <a:ext cx="911461" cy="3994164"/>
+          </a:xfrm>
+          <a:prstGeom prst="rightBracket">
+            <a:avLst>
+              <a:gd name="adj" fmla="val 0"/>
+            </a:avLst>
+          </a:prstGeom>
+          <a:ln>
+            <a:solidFill>
+              <a:srgbClr val="70A9F0"/>
+            </a:solidFill>
+          </a:ln>
+        </p:spPr>
+        <p:style>
+          <a:lnRef idx="1">
+            <a:schemeClr val="accent1"/>
+          </a:lnRef>
+          <a:fillRef idx="0">
+            <a:schemeClr val="accent1"/>
+          </a:fillRef>
+          <a:effectRef idx="0">
+            <a:schemeClr val="accent1"/>
+          </a:effectRef>
+          <a:fontRef idx="minor">
+            <a:schemeClr val="tx1"/>
+          </a:fontRef>
+        </p:style>
+        <p:txBody>
+          <a:bodyPr rtlCol="0" anchor="ctr"/>
+          <a:lstStyle/>
+          <a:p>
+            <a:pPr algn="ctr"/>
+            <a:endParaRPr lang="ko-KR" altLang="en-US">
+              <a:solidFill>
+                <a:prstClr val="black"/>
+              </a:solidFill>
+              <a:latin typeface="나눔고딕" panose="020D0604000000000000" pitchFamily="50" charset="-127"/>
+              <a:ea typeface="나눔고딕" panose="020D0604000000000000" pitchFamily="50" charset="-127"/>
+            </a:endParaRPr>
+          </a:p>
+        </p:txBody>
+      </p:sp>
+      <p:cxnSp>
+        <p:nvCxnSpPr>
+          <p:cNvPr id="13" name="직선 연결선 12">
+            <a:extLst>
+              <a:ext uri="{FF2B5EF4-FFF2-40B4-BE49-F238E27FC236}">
+                <a16:creationId xmlns:a16="http://schemas.microsoft.com/office/drawing/2014/main" id="{69A7FB56-F76E-479E-A117-DCA9D0DA9A71}"/>
+              </a:ext>
+            </a:extLst>
+          </p:cNvPr>
+          <p:cNvCxnSpPr>
+            <a:cxnSpLocks/>
+            <a:stCxn id="10" idx="1"/>
+          </p:cNvCxnSpPr>
+          <p:nvPr/>
+        </p:nvCxnSpPr>
+        <p:spPr>
+          <a:xfrm>
+            <a:off x="4838330" y="1470258"/>
+            <a:ext cx="6282550" cy="6"/>
+          </a:xfrm>
+          <a:prstGeom prst="line">
+            <a:avLst/>
+          </a:prstGeom>
+        </p:spPr>
+        <p:style>
+          <a:lnRef idx="1">
+            <a:schemeClr val="accent1"/>
+          </a:lnRef>
+          <a:fillRef idx="0">
+            <a:schemeClr val="accent1"/>
+          </a:fillRef>
+          <a:effectRef idx="0">
+            <a:schemeClr val="accent1"/>
+          </a:effectRef>
+          <a:fontRef idx="minor">
+            <a:schemeClr val="tx1"/>
+          </a:fontRef>
+        </p:style>
+      </p:cxnSp>
+      <p:sp>
+        <p:nvSpPr>
+          <p:cNvPr id="16" name="직사각형 15">
+            <a:extLst>
+              <a:ext uri="{FF2B5EF4-FFF2-40B4-BE49-F238E27FC236}">
+                <a16:creationId xmlns:a16="http://schemas.microsoft.com/office/drawing/2014/main" id="{71316981-E4BD-49E0-880D-ABB439821013}"/>
+              </a:ext>
+            </a:extLst>
+          </p:cNvPr>
+          <p:cNvSpPr/>
+          <p:nvPr/>
+        </p:nvSpPr>
+        <p:spPr>
+          <a:xfrm>
+            <a:off x="569229" y="716692"/>
+            <a:ext cx="5413294" cy="707886"/>
+          </a:xfrm>
+          <a:prstGeom prst="rect">
+            <a:avLst/>
+          </a:prstGeom>
+        </p:spPr>
+        <p:txBody>
+          <a:bodyPr wrap="square">
+            <a:spAutoFit/>
+          </a:bodyPr>
+          <a:lstStyle/>
+          <a:p>
+            <a:pPr algn="ctr"/>
+            <a:r>
+              <a:rPr lang="ko-KR" altLang="en-US" sz="2000" dirty="0">
+                <a:solidFill>
+                  <a:srgbClr val="70A9F0"/>
+                </a:solidFill>
+                <a:latin typeface="나눔고딕 ExtraBold" panose="020D0904000000000000" pitchFamily="50" charset="-127"/>
+                <a:ea typeface="나눔고딕 ExtraBold" panose="020D0904000000000000" pitchFamily="50" charset="-127"/>
+              </a:rPr>
+              <a:t>딥러닝 기반 이미지 인식 </a:t>
+            </a:r>
+            <a:endParaRPr lang="en-US" altLang="ko-KR" sz="2000" dirty="0">
+              <a:solidFill>
+                <a:srgbClr val="70A9F0"/>
+              </a:solidFill>
+              <a:latin typeface="나눔고딕 ExtraBold" panose="020D0904000000000000" pitchFamily="50" charset="-127"/>
+              <a:ea typeface="나눔고딕 ExtraBold" panose="020D0904000000000000" pitchFamily="50" charset="-127"/>
+            </a:endParaRPr>
+          </a:p>
+          <a:p>
+            <a:pPr algn="ctr"/>
+            <a:r>
+              <a:rPr lang="ko-KR" altLang="en-US" sz="2000" dirty="0">
+                <a:solidFill>
+                  <a:srgbClr val="70A9F0"/>
+                </a:solidFill>
+                <a:latin typeface="나눔고딕 ExtraBold" panose="020D0904000000000000" pitchFamily="50" charset="-127"/>
+                <a:ea typeface="나눔고딕 ExtraBold" panose="020D0904000000000000" pitchFamily="50" charset="-127"/>
+              </a:rPr>
+              <a:t>기술 동향</a:t>
+            </a:r>
+          </a:p>
+        </p:txBody>
+      </p:sp>
+      <p:sp>
+        <p:nvSpPr>
+          <p:cNvPr id="19" name="직사각형 18">
+            <a:extLst>
+              <a:ext uri="{FF2B5EF4-FFF2-40B4-BE49-F238E27FC236}">
+                <a16:creationId xmlns:a16="http://schemas.microsoft.com/office/drawing/2014/main" id="{B1F1C813-E00D-4A67-9A5F-B70909574C4D}"/>
+              </a:ext>
+            </a:extLst>
+          </p:cNvPr>
+          <p:cNvSpPr/>
+          <p:nvPr/>
+        </p:nvSpPr>
+        <p:spPr>
+          <a:xfrm>
+            <a:off x="844165" y="328637"/>
+            <a:ext cx="1863179" cy="1200329"/>
+          </a:xfrm>
+          <a:prstGeom prst="rect">
+            <a:avLst/>
+          </a:prstGeom>
+        </p:spPr>
+        <p:txBody>
+          <a:bodyPr wrap="square">
+            <a:spAutoFit/>
+          </a:bodyPr>
+          <a:lstStyle/>
+          <a:p>
+            <a:r>
+              <a:rPr lang="en-US" altLang="ko-KR" sz="6000" dirty="0">
+                <a:solidFill>
+                  <a:srgbClr val="70A9F0"/>
+                </a:solidFill>
+                <a:latin typeface="나눔고딕 ExtraBold" panose="020D0904000000000000" pitchFamily="50" charset="-127"/>
+                <a:ea typeface="나눔고딕 ExtraBold" panose="020D0904000000000000" pitchFamily="50" charset="-127"/>
+              </a:rPr>
+              <a:t>02</a:t>
+            </a:r>
+            <a:r>
+              <a:rPr lang="en-US" altLang="ko-KR" sz="7200" dirty="0">
+                <a:solidFill>
+                  <a:srgbClr val="70A9F0"/>
+                </a:solidFill>
+                <a:latin typeface="나눔고딕 ExtraBold" panose="020D0904000000000000" pitchFamily="50" charset="-127"/>
+                <a:ea typeface="나눔고딕 ExtraBold" panose="020D0904000000000000" pitchFamily="50" charset="-127"/>
+              </a:rPr>
+              <a:t> </a:t>
+            </a:r>
+            <a:endParaRPr lang="ko-KR" altLang="en-US" sz="7200" dirty="0"/>
+          </a:p>
+        </p:txBody>
+      </p:sp>
+      <p:sp>
+        <p:nvSpPr>
+          <p:cNvPr id="24" name="TextBox 23">
+            <a:extLst>
+              <a:ext uri="{FF2B5EF4-FFF2-40B4-BE49-F238E27FC236}">
+                <a16:creationId xmlns:a16="http://schemas.microsoft.com/office/drawing/2014/main" id="{E290D7EA-1E7E-44B2-8ACE-09F2E33E3FBB}"/>
+              </a:ext>
+            </a:extLst>
+          </p:cNvPr>
+          <p:cNvSpPr txBox="1"/>
+          <p:nvPr/>
+        </p:nvSpPr>
+        <p:spPr>
+          <a:xfrm>
+            <a:off x="844165" y="1673648"/>
+            <a:ext cx="5215407" cy="600164"/>
+          </a:xfrm>
+          <a:prstGeom prst="rect">
+            <a:avLst/>
+          </a:prstGeom>
+          <a:noFill/>
+        </p:spPr>
+        <p:txBody>
+          <a:bodyPr wrap="square" rtlCol="0">
+            <a:spAutoFit/>
+          </a:bodyPr>
+          <a:lstStyle/>
+          <a:p>
+            <a:r>
+              <a:rPr lang="en-US" altLang="ko-KR" dirty="0">
+                <a:solidFill>
+                  <a:srgbClr val="70A9F0"/>
+                </a:solidFill>
+                <a:latin typeface="나눔고딕 ExtraBold" panose="020D0904000000000000" pitchFamily="50" charset="-127"/>
+                <a:ea typeface="나눔고딕 ExtraBold" panose="020D0904000000000000" pitchFamily="50" charset="-127"/>
+              </a:rPr>
+              <a:t>2. </a:t>
+            </a:r>
+            <a:r>
+              <a:rPr lang="ko-KR" altLang="en-US" dirty="0">
+                <a:solidFill>
+                  <a:srgbClr val="70A9F0"/>
+                </a:solidFill>
+                <a:latin typeface="나눔고딕 ExtraBold" panose="020D0904000000000000" pitchFamily="50" charset="-127"/>
+                <a:ea typeface="나눔고딕 ExtraBold" panose="020D0904000000000000" pitchFamily="50" charset="-127"/>
+              </a:rPr>
+              <a:t>인공지능 학습의 한계 극복</a:t>
+            </a:r>
+            <a:endParaRPr lang="en-US" altLang="ko-KR" dirty="0">
+              <a:solidFill>
+                <a:srgbClr val="70A9F0"/>
+              </a:solidFill>
+              <a:latin typeface="나눔고딕 ExtraBold" panose="020D0904000000000000" pitchFamily="50" charset="-127"/>
+              <a:ea typeface="나눔고딕 ExtraBold" panose="020D0904000000000000" pitchFamily="50" charset="-127"/>
+            </a:endParaRPr>
+          </a:p>
+          <a:p>
+            <a:r>
+              <a:rPr lang="en-US" altLang="ko-KR" sz="1500" dirty="0">
+                <a:solidFill>
+                  <a:srgbClr val="70A9F0"/>
+                </a:solidFill>
+                <a:latin typeface="나눔고딕 ExtraBold" panose="020D0904000000000000" pitchFamily="50" charset="-127"/>
+                <a:ea typeface="나눔고딕 ExtraBold" panose="020D0904000000000000" pitchFamily="50" charset="-127"/>
+              </a:rPr>
+              <a:t>      - </a:t>
+            </a:r>
+            <a:r>
+              <a:rPr lang="ko-KR" altLang="en-US" sz="1500" dirty="0">
+                <a:solidFill>
+                  <a:srgbClr val="70A9F0"/>
+                </a:solidFill>
+                <a:latin typeface="나눔고딕 ExtraBold" panose="020D0904000000000000" pitchFamily="50" charset="-127"/>
+                <a:ea typeface="나눔고딕 ExtraBold" panose="020D0904000000000000" pitchFamily="50" charset="-127"/>
+              </a:rPr>
               <a:t>데이터 컴퓨팅 파워 절감을 위한 전이학습 고도화</a:t>
             </a:r>
             <a:endParaRPr lang="en-US" altLang="ko-KR" sz="1500" dirty="0">
@@ -13727,7 +14073,7 @@
 </p:sld>
 </file>
 
-<file path=ppt/slides/slide15.xml><?xml version="1.0" encoding="utf-8"?>
+<file path=ppt/slides/slide16.xml><?xml version="1.0" encoding="utf-8"?>
 <p:sld xmlns:a="http://schemas.openxmlformats.org/drawingml/2006/main" xmlns:r="http://schemas.openxmlformats.org/officeDocument/2006/relationships" xmlns:p="http://schemas.openxmlformats.org/presentationml/2006/main">
   <p:cSld>
     <p:spTree>
@@ -14150,7 +14496,7 @@
 </p:sld>
 </file>
 
-<file path=ppt/slides/slide16.xml><?xml version="1.0" encoding="utf-8"?>
+<file path=ppt/slides/slide17.xml><?xml version="1.0" encoding="utf-8"?>
 <p:sld xmlns:a="http://schemas.openxmlformats.org/drawingml/2006/main" xmlns:r="http://schemas.openxmlformats.org/officeDocument/2006/relationships" xmlns:p="http://schemas.openxmlformats.org/presentationml/2006/main">
   <p:cSld>
     <p:spTree>
@@ -14487,7 +14833,7 @@
 </p:sld>
 </file>
 
-<file path=ppt/slides/slide17.xml><?xml version="1.0" encoding="utf-8"?>
+<file path=ppt/slides/slide18.xml><?xml version="1.0" encoding="utf-8"?>
 <p:sld xmlns:a="http://schemas.openxmlformats.org/drawingml/2006/main" xmlns:r="http://schemas.openxmlformats.org/officeDocument/2006/relationships" xmlns:p="http://schemas.openxmlformats.org/presentationml/2006/main">
   <p:cSld>
     <p:spTree>
@@ -15975,6 +16321,340 @@
           </a:p>
         </p:txBody>
       </p:sp>
+    </p:spTree>
+    <p:extLst>
+      <p:ext uri="{BB962C8B-B14F-4D97-AF65-F5344CB8AC3E}">
+        <p14:creationId xmlns:p14="http://schemas.microsoft.com/office/powerpoint/2010/main" val="3033393915"/>
+      </p:ext>
+    </p:extLst>
+  </p:cSld>
+  <p:clrMapOvr>
+    <a:masterClrMapping/>
+  </p:clrMapOvr>
+</p:sld>
+</file>
+
+<file path=ppt/slides/slide4.xml><?xml version="1.0" encoding="utf-8"?>
+<p:sld xmlns:a="http://schemas.openxmlformats.org/drawingml/2006/main" xmlns:r="http://schemas.openxmlformats.org/officeDocument/2006/relationships" xmlns:p="http://schemas.openxmlformats.org/presentationml/2006/main">
+  <p:cSld>
+    <p:spTree>
+      <p:nvGrpSpPr>
+        <p:cNvPr id="1" name=""/>
+        <p:cNvGrpSpPr/>
+        <p:nvPr/>
+      </p:nvGrpSpPr>
+      <p:grpSpPr>
+        <a:xfrm>
+          <a:off x="0" y="0"/>
+          <a:ext cx="0" cy="0"/>
+          <a:chOff x="0" y="0"/>
+          <a:chExt cx="0" cy="0"/>
+        </a:xfrm>
+      </p:grpSpPr>
+      <p:sp>
+        <p:nvSpPr>
+          <p:cNvPr id="12" name="오른쪽 대괄호 11">
+            <a:extLst>
+              <a:ext uri="{FF2B5EF4-FFF2-40B4-BE49-F238E27FC236}">
+                <a16:creationId xmlns:a16="http://schemas.microsoft.com/office/drawing/2014/main" id="{F318FACD-37C9-4752-A3C7-0BD9AE25E547}"/>
+              </a:ext>
+            </a:extLst>
+          </p:cNvPr>
+          <p:cNvSpPr/>
+          <p:nvPr/>
+        </p:nvSpPr>
+        <p:spPr>
+          <a:xfrm rot="16200000">
+            <a:off x="2056811" y="-653847"/>
+            <a:ext cx="911461" cy="3336751"/>
+          </a:xfrm>
+          <a:prstGeom prst="rightBracket">
+            <a:avLst>
+              <a:gd name="adj" fmla="val 0"/>
+            </a:avLst>
+          </a:prstGeom>
+          <a:ln>
+            <a:solidFill>
+              <a:srgbClr val="70A9F0"/>
+            </a:solidFill>
+          </a:ln>
+        </p:spPr>
+        <p:style>
+          <a:lnRef idx="1">
+            <a:schemeClr val="accent1"/>
+          </a:lnRef>
+          <a:fillRef idx="0">
+            <a:schemeClr val="accent1"/>
+          </a:fillRef>
+          <a:effectRef idx="0">
+            <a:schemeClr val="accent1"/>
+          </a:effectRef>
+          <a:fontRef idx="minor">
+            <a:schemeClr val="tx1"/>
+          </a:fontRef>
+        </p:style>
+        <p:txBody>
+          <a:bodyPr rtlCol="0" anchor="ctr"/>
+          <a:lstStyle/>
+          <a:p>
+            <a:pPr algn="ctr"/>
+            <a:endParaRPr lang="ko-KR" altLang="en-US">
+              <a:solidFill>
+                <a:prstClr val="black"/>
+              </a:solidFill>
+              <a:latin typeface="나눔고딕" panose="020D0604000000000000" pitchFamily="50" charset="-127"/>
+              <a:ea typeface="나눔고딕" panose="020D0604000000000000" pitchFamily="50" charset="-127"/>
+            </a:endParaRPr>
+          </a:p>
+        </p:txBody>
+      </p:sp>
+      <p:cxnSp>
+        <p:nvCxnSpPr>
+          <p:cNvPr id="13" name="직선 연결선 12">
+            <a:extLst>
+              <a:ext uri="{FF2B5EF4-FFF2-40B4-BE49-F238E27FC236}">
+                <a16:creationId xmlns:a16="http://schemas.microsoft.com/office/drawing/2014/main" id="{8E6F8461-3FC7-40CD-86B2-5D298CF187A3}"/>
+              </a:ext>
+            </a:extLst>
+          </p:cNvPr>
+          <p:cNvCxnSpPr>
+            <a:cxnSpLocks/>
+          </p:cNvCxnSpPr>
+          <p:nvPr/>
+        </p:nvCxnSpPr>
+        <p:spPr>
+          <a:xfrm>
+            <a:off x="4180917" y="1470264"/>
+            <a:ext cx="6939963" cy="0"/>
+          </a:xfrm>
+          <a:prstGeom prst="line">
+            <a:avLst/>
+          </a:prstGeom>
+        </p:spPr>
+        <p:style>
+          <a:lnRef idx="1">
+            <a:schemeClr val="accent1"/>
+          </a:lnRef>
+          <a:fillRef idx="0">
+            <a:schemeClr val="accent1"/>
+          </a:fillRef>
+          <a:effectRef idx="0">
+            <a:schemeClr val="accent1"/>
+          </a:effectRef>
+          <a:fontRef idx="minor">
+            <a:schemeClr val="tx1"/>
+          </a:fontRef>
+        </p:style>
+      </p:cxnSp>
+      <p:grpSp>
+        <p:nvGrpSpPr>
+          <p:cNvPr id="21" name="그룹 20">
+            <a:extLst>
+              <a:ext uri="{FF2B5EF4-FFF2-40B4-BE49-F238E27FC236}">
+                <a16:creationId xmlns:a16="http://schemas.microsoft.com/office/drawing/2014/main" id="{103B669B-2FAB-40C0-AB75-3E8CF067488A}"/>
+              </a:ext>
+            </a:extLst>
+          </p:cNvPr>
+          <p:cNvGrpSpPr/>
+          <p:nvPr/>
+        </p:nvGrpSpPr>
+        <p:grpSpPr>
+          <a:xfrm>
+            <a:off x="927940" y="376627"/>
+            <a:ext cx="3336752" cy="1200329"/>
+            <a:chOff x="706906" y="242646"/>
+            <a:chExt cx="3326007" cy="1328558"/>
+          </a:xfrm>
+        </p:grpSpPr>
+        <p:sp>
+          <p:nvSpPr>
+            <p:cNvPr id="23" name="직사각형 22">
+              <a:extLst>
+                <a:ext uri="{FF2B5EF4-FFF2-40B4-BE49-F238E27FC236}">
+                  <a16:creationId xmlns:a16="http://schemas.microsoft.com/office/drawing/2014/main" id="{08EDB5BA-C944-4055-B121-438DC16D5AEF}"/>
+                </a:ext>
+              </a:extLst>
+            </p:cNvPr>
+            <p:cNvSpPr/>
+            <p:nvPr/>
+          </p:nvSpPr>
+          <p:spPr>
+            <a:xfrm>
+              <a:off x="1880301" y="675427"/>
+              <a:ext cx="2152612" cy="783508"/>
+            </a:xfrm>
+            <a:prstGeom prst="rect">
+              <a:avLst/>
+            </a:prstGeom>
+          </p:spPr>
+          <p:txBody>
+            <a:bodyPr wrap="none">
+              <a:spAutoFit/>
+            </a:bodyPr>
+            <a:lstStyle/>
+            <a:p>
+              <a:pPr algn="ctr"/>
+              <a:r>
+                <a:rPr lang="ko-KR" altLang="en-US" sz="2000" dirty="0">
+                  <a:solidFill>
+                    <a:srgbClr val="70A9F0"/>
+                  </a:solidFill>
+                  <a:latin typeface="나눔고딕 ExtraBold" panose="020D0904000000000000" pitchFamily="50" charset="-127"/>
+                  <a:ea typeface="나눔고딕 ExtraBold" panose="020D0904000000000000" pitchFamily="50" charset="-127"/>
+                </a:rPr>
+                <a:t>인공지능 이미지 </a:t>
+              </a:r>
+              <a:endParaRPr lang="en-US" altLang="ko-KR" sz="2000" dirty="0">
+                <a:solidFill>
+                  <a:srgbClr val="70A9F0"/>
+                </a:solidFill>
+                <a:latin typeface="나눔고딕 ExtraBold" panose="020D0904000000000000" pitchFamily="50" charset="-127"/>
+                <a:ea typeface="나눔고딕 ExtraBold" panose="020D0904000000000000" pitchFamily="50" charset="-127"/>
+              </a:endParaRPr>
+            </a:p>
+            <a:p>
+              <a:pPr algn="ctr"/>
+              <a:r>
+                <a:rPr lang="ko-KR" altLang="en-US" sz="2000" dirty="0">
+                  <a:solidFill>
+                    <a:srgbClr val="70A9F0"/>
+                  </a:solidFill>
+                  <a:latin typeface="나눔고딕 ExtraBold" panose="020D0904000000000000" pitchFamily="50" charset="-127"/>
+                  <a:ea typeface="나눔고딕 ExtraBold" panose="020D0904000000000000" pitchFamily="50" charset="-127"/>
+                </a:rPr>
+                <a:t>인식</a:t>
+              </a:r>
+            </a:p>
+          </p:txBody>
+        </p:sp>
+        <p:sp>
+          <p:nvSpPr>
+            <p:cNvPr id="24" name="직사각형 23">
+              <a:extLst>
+                <a:ext uri="{FF2B5EF4-FFF2-40B4-BE49-F238E27FC236}">
+                  <a16:creationId xmlns:a16="http://schemas.microsoft.com/office/drawing/2014/main" id="{1F4927EC-40BF-43CF-A88E-8E11C0D1D6CD}"/>
+                </a:ext>
+              </a:extLst>
+            </p:cNvPr>
+            <p:cNvSpPr/>
+            <p:nvPr/>
+          </p:nvSpPr>
+          <p:spPr>
+            <a:xfrm>
+              <a:off x="706906" y="242646"/>
+              <a:ext cx="1823791" cy="1328558"/>
+            </a:xfrm>
+            <a:prstGeom prst="rect">
+              <a:avLst/>
+            </a:prstGeom>
+          </p:spPr>
+          <p:txBody>
+            <a:bodyPr wrap="square">
+              <a:spAutoFit/>
+            </a:bodyPr>
+            <a:lstStyle/>
+            <a:p>
+              <a:r>
+                <a:rPr lang="en-US" altLang="ko-KR" sz="6000" dirty="0">
+                  <a:solidFill>
+                    <a:srgbClr val="70A9F0"/>
+                  </a:solidFill>
+                  <a:latin typeface="나눔고딕 ExtraBold" panose="020D0904000000000000" pitchFamily="50" charset="-127"/>
+                  <a:ea typeface="나눔고딕 ExtraBold" panose="020D0904000000000000" pitchFamily="50" charset="-127"/>
+                </a:rPr>
+                <a:t>01</a:t>
+              </a:r>
+              <a:r>
+                <a:rPr lang="en-US" altLang="ko-KR" sz="7200" dirty="0">
+                  <a:solidFill>
+                    <a:srgbClr val="70A9F0"/>
+                  </a:solidFill>
+                  <a:latin typeface="나눔고딕 ExtraBold" panose="020D0904000000000000" pitchFamily="50" charset="-127"/>
+                  <a:ea typeface="나눔고딕 ExtraBold" panose="020D0904000000000000" pitchFamily="50" charset="-127"/>
+                </a:rPr>
+                <a:t> </a:t>
+              </a:r>
+              <a:endParaRPr lang="ko-KR" altLang="en-US" sz="7200" dirty="0"/>
+            </a:p>
+          </p:txBody>
+        </p:sp>
+      </p:grpSp>
+      <p:sp>
+        <p:nvSpPr>
+          <p:cNvPr id="8" name="TextBox 7">
+            <a:extLst>
+              <a:ext uri="{FF2B5EF4-FFF2-40B4-BE49-F238E27FC236}">
+                <a16:creationId xmlns:a16="http://schemas.microsoft.com/office/drawing/2014/main" id="{E2452106-E923-4CEF-8FE4-DA0C8B2F8FEC}"/>
+              </a:ext>
+            </a:extLst>
+          </p:cNvPr>
+          <p:cNvSpPr txBox="1"/>
+          <p:nvPr/>
+        </p:nvSpPr>
+        <p:spPr>
+          <a:xfrm>
+            <a:off x="1458034" y="1971416"/>
+            <a:ext cx="9275932" cy="3416320"/>
+          </a:xfrm>
+          <a:prstGeom prst="rect">
+            <a:avLst/>
+          </a:prstGeom>
+          <a:noFill/>
+        </p:spPr>
+        <p:txBody>
+          <a:bodyPr wrap="square" rtlCol="0" anchor="ctr">
+            <a:spAutoFit/>
+          </a:bodyPr>
+          <a:lstStyle/>
+          <a:p>
+            <a:pPr>
+              <a:lnSpc>
+                <a:spcPct val="150000"/>
+              </a:lnSpc>
+            </a:pPr>
+            <a:endParaRPr lang="en-US" altLang="ko-KR" sz="5400" dirty="0">
+              <a:solidFill>
+                <a:schemeClr val="accent1"/>
+              </a:solidFill>
+              <a:latin typeface="나눔고딕 ExtraBold" panose="020D0904000000000000" pitchFamily="50" charset="-127"/>
+              <a:ea typeface="나눔고딕 ExtraBold" panose="020D0904000000000000" pitchFamily="50" charset="-127"/>
+            </a:endParaRPr>
+          </a:p>
+          <a:p>
+            <a:pPr>
+              <a:lnSpc>
+                <a:spcPct val="150000"/>
+              </a:lnSpc>
+            </a:pPr>
+            <a:r>
+              <a:rPr lang="ko-KR" altLang="en-US" sz="5400" dirty="0">
+                <a:solidFill>
+                  <a:schemeClr val="accent1"/>
+                </a:solidFill>
+                <a:latin typeface="나눔고딕 ExtraBold" panose="020D0904000000000000" pitchFamily="50" charset="-127"/>
+                <a:ea typeface="나눔고딕 ExtraBold" panose="020D0904000000000000" pitchFamily="50" charset="-127"/>
+              </a:rPr>
+              <a:t>인공지능 이미지 인식이란</a:t>
+            </a:r>
+            <a:r>
+              <a:rPr lang="en-US" altLang="ko-KR" sz="5400" dirty="0">
+                <a:solidFill>
+                  <a:schemeClr val="accent1"/>
+                </a:solidFill>
+                <a:latin typeface="나눔고딕 ExtraBold" panose="020D0904000000000000" pitchFamily="50" charset="-127"/>
+                <a:ea typeface="나눔고딕 ExtraBold" panose="020D0904000000000000" pitchFamily="50" charset="-127"/>
+              </a:rPr>
+              <a:t>?</a:t>
+            </a:r>
+          </a:p>
+          <a:p>
+            <a:endParaRPr lang="ko-KR" altLang="en-US" sz="5400" dirty="0">
+              <a:latin typeface="나눔고딕 ExtraBold" panose="020D0904000000000000" pitchFamily="50" charset="-127"/>
+              <a:ea typeface="나눔고딕 ExtraBold" panose="020D0904000000000000" pitchFamily="50" charset="-127"/>
+            </a:endParaRPr>
+          </a:p>
+        </p:txBody>
+      </p:sp>
       <p:pic>
         <p:nvPicPr>
           <p:cNvPr id="9" name="그림 8">
@@ -16160,7 +16840,7 @@
 </p:sld>
 </file>
 
-<file path=ppt/slides/slide4.xml><?xml version="1.0" encoding="utf-8"?>
+<file path=ppt/slides/slide5.xml><?xml version="1.0" encoding="utf-8"?>
 <p:sld xmlns:a="http://schemas.openxmlformats.org/drawingml/2006/main" xmlns:r="http://schemas.openxmlformats.org/officeDocument/2006/relationships" xmlns:p="http://schemas.openxmlformats.org/presentationml/2006/main">
   <p:cSld>
     <p:spTree>
@@ -16601,7 +17281,7 @@
 </p:sld>
 </file>
 
-<file path=ppt/slides/slide5.xml><?xml version="1.0" encoding="utf-8"?>
+<file path=ppt/slides/slide6.xml><?xml version="1.0" encoding="utf-8"?>
 <p:sld xmlns:a="http://schemas.openxmlformats.org/drawingml/2006/main" xmlns:r="http://schemas.openxmlformats.org/officeDocument/2006/relationships" xmlns:p="http://schemas.openxmlformats.org/presentationml/2006/main">
   <p:cSld>
     <p:spTree>
@@ -17069,7 +17749,7 @@
 </p:sld>
 </file>
 
-<file path=ppt/slides/slide6.xml><?xml version="1.0" encoding="utf-8"?>
+<file path=ppt/slides/slide7.xml><?xml version="1.0" encoding="utf-8"?>
 <p:sld xmlns:a="http://schemas.openxmlformats.org/drawingml/2006/main" xmlns:r="http://schemas.openxmlformats.org/officeDocument/2006/relationships" xmlns:p="http://schemas.openxmlformats.org/presentationml/2006/main">
   <p:cSld>
     <p:spTree>
@@ -17503,7 +18183,7 @@
 </p:sld>
 </file>
 
-<file path=ppt/slides/slide7.xml><?xml version="1.0" encoding="utf-8"?>
+<file path=ppt/slides/slide8.xml><?xml version="1.0" encoding="utf-8"?>
 <p:sld xmlns:a="http://schemas.openxmlformats.org/drawingml/2006/main" xmlns:r="http://schemas.openxmlformats.org/officeDocument/2006/relationships" xmlns:p="http://schemas.openxmlformats.org/presentationml/2006/main">
   <p:cSld>
     <p:spTree>
@@ -18027,7 +18707,7 @@
 </p:sld>
 </file>
 
-<file path=ppt/slides/slide8.xml><?xml version="1.0" encoding="utf-8"?>
+<file path=ppt/slides/slide9.xml><?xml version="1.0" encoding="utf-8"?>
 <p:sld xmlns:a="http://schemas.openxmlformats.org/drawingml/2006/main" xmlns:r="http://schemas.openxmlformats.org/officeDocument/2006/relationships" xmlns:p="http://schemas.openxmlformats.org/presentationml/2006/main">
   <p:cSld>
     <p:spTree>
@@ -18494,351 +19174,6 @@
     <p:extLst>
       <p:ext uri="{BB962C8B-B14F-4D97-AF65-F5344CB8AC3E}">
         <p14:creationId xmlns:p14="http://schemas.microsoft.com/office/powerpoint/2010/main" val="774810895"/>
-      </p:ext>
-    </p:extLst>
-  </p:cSld>
-  <p:clrMapOvr>
-    <a:masterClrMapping/>
-  </p:clrMapOvr>
-</p:sld>
-</file>
-
-<file path=ppt/slides/slide9.xml><?xml version="1.0" encoding="utf-8"?>
-<p:sld xmlns:a="http://schemas.openxmlformats.org/drawingml/2006/main" xmlns:r="http://schemas.openxmlformats.org/officeDocument/2006/relationships" xmlns:p="http://schemas.openxmlformats.org/presentationml/2006/main">
-  <p:cSld>
-    <p:spTree>
-      <p:nvGrpSpPr>
-        <p:cNvPr id="1" name=""/>
-        <p:cNvGrpSpPr/>
-        <p:nvPr/>
-      </p:nvGrpSpPr>
-      <p:grpSpPr>
-        <a:xfrm>
-          <a:off x="0" y="0"/>
-          <a:ext cx="0" cy="0"/>
-          <a:chOff x="0" y="0"/>
-          <a:chExt cx="0" cy="0"/>
-        </a:xfrm>
-      </p:grpSpPr>
-      <p:sp>
-        <p:nvSpPr>
-          <p:cNvPr id="12" name="오른쪽 대괄호 11">
-            <a:extLst>
-              <a:ext uri="{FF2B5EF4-FFF2-40B4-BE49-F238E27FC236}">
-                <a16:creationId xmlns:a16="http://schemas.microsoft.com/office/drawing/2014/main" id="{F318FACD-37C9-4752-A3C7-0BD9AE25E547}"/>
-              </a:ext>
-            </a:extLst>
-          </p:cNvPr>
-          <p:cNvSpPr/>
-          <p:nvPr/>
-        </p:nvSpPr>
-        <p:spPr>
-          <a:xfrm rot="16200000">
-            <a:off x="2385517" y="-982554"/>
-            <a:ext cx="911461" cy="3994164"/>
-          </a:xfrm>
-          <a:prstGeom prst="rightBracket">
-            <a:avLst>
-              <a:gd name="adj" fmla="val 0"/>
-            </a:avLst>
-          </a:prstGeom>
-          <a:ln>
-            <a:solidFill>
-              <a:srgbClr val="70A9F0"/>
-            </a:solidFill>
-          </a:ln>
-        </p:spPr>
-        <p:style>
-          <a:lnRef idx="1">
-            <a:schemeClr val="accent1"/>
-          </a:lnRef>
-          <a:fillRef idx="0">
-            <a:schemeClr val="accent1"/>
-          </a:fillRef>
-          <a:effectRef idx="0">
-            <a:schemeClr val="accent1"/>
-          </a:effectRef>
-          <a:fontRef idx="minor">
-            <a:schemeClr val="tx1"/>
-          </a:fontRef>
-        </p:style>
-        <p:txBody>
-          <a:bodyPr rtlCol="0" anchor="ctr"/>
-          <a:lstStyle/>
-          <a:p>
-            <a:pPr algn="ctr"/>
-            <a:endParaRPr lang="ko-KR" altLang="en-US">
-              <a:solidFill>
-                <a:prstClr val="black"/>
-              </a:solidFill>
-              <a:latin typeface="나눔고딕" panose="020D0604000000000000" pitchFamily="50" charset="-127"/>
-              <a:ea typeface="나눔고딕" panose="020D0604000000000000" pitchFamily="50" charset="-127"/>
-            </a:endParaRPr>
-          </a:p>
-        </p:txBody>
-      </p:sp>
-      <p:cxnSp>
-        <p:nvCxnSpPr>
-          <p:cNvPr id="13" name="직선 연결선 12">
-            <a:extLst>
-              <a:ext uri="{FF2B5EF4-FFF2-40B4-BE49-F238E27FC236}">
-                <a16:creationId xmlns:a16="http://schemas.microsoft.com/office/drawing/2014/main" id="{8E6F8461-3FC7-40CD-86B2-5D298CF187A3}"/>
-              </a:ext>
-            </a:extLst>
-          </p:cNvPr>
-          <p:cNvCxnSpPr>
-            <a:cxnSpLocks/>
-            <a:stCxn id="12" idx="1"/>
-          </p:cNvCxnSpPr>
-          <p:nvPr/>
-        </p:nvCxnSpPr>
-        <p:spPr>
-          <a:xfrm>
-            <a:off x="4838330" y="1470258"/>
-            <a:ext cx="6282550" cy="6"/>
-          </a:xfrm>
-          <a:prstGeom prst="line">
-            <a:avLst/>
-          </a:prstGeom>
-        </p:spPr>
-        <p:style>
-          <a:lnRef idx="1">
-            <a:schemeClr val="accent1"/>
-          </a:lnRef>
-          <a:fillRef idx="0">
-            <a:schemeClr val="accent1"/>
-          </a:fillRef>
-          <a:effectRef idx="0">
-            <a:schemeClr val="accent1"/>
-          </a:effectRef>
-          <a:fontRef idx="minor">
-            <a:schemeClr val="tx1"/>
-          </a:fontRef>
-        </p:style>
-      </p:cxnSp>
-      <p:grpSp>
-        <p:nvGrpSpPr>
-          <p:cNvPr id="9" name="그룹 8">
-            <a:extLst>
-              <a:ext uri="{FF2B5EF4-FFF2-40B4-BE49-F238E27FC236}">
-                <a16:creationId xmlns:a16="http://schemas.microsoft.com/office/drawing/2014/main" id="{ED049ED7-640E-4FBA-A30E-22017312E53D}"/>
-              </a:ext>
-            </a:extLst>
-          </p:cNvPr>
-          <p:cNvGrpSpPr/>
-          <p:nvPr/>
-        </p:nvGrpSpPr>
-        <p:grpSpPr>
-          <a:xfrm>
-            <a:off x="569229" y="328637"/>
-            <a:ext cx="5413294" cy="1200329"/>
-            <a:chOff x="513756" y="380123"/>
-            <a:chExt cx="5298855" cy="1328558"/>
-          </a:xfrm>
-        </p:grpSpPr>
-        <p:sp>
-          <p:nvSpPr>
-            <p:cNvPr id="14" name="직사각형 13">
-              <a:extLst>
-                <a:ext uri="{FF2B5EF4-FFF2-40B4-BE49-F238E27FC236}">
-                  <a16:creationId xmlns:a16="http://schemas.microsoft.com/office/drawing/2014/main" id="{5EF73DA3-0A9B-4305-853B-CE2FDA26826D}"/>
-                </a:ext>
-              </a:extLst>
-            </p:cNvPr>
-            <p:cNvSpPr/>
-            <p:nvPr/>
-          </p:nvSpPr>
-          <p:spPr>
-            <a:xfrm>
-              <a:off x="513756" y="809633"/>
-              <a:ext cx="5298855" cy="783508"/>
-            </a:xfrm>
-            <a:prstGeom prst="rect">
-              <a:avLst/>
-            </a:prstGeom>
-          </p:spPr>
-          <p:txBody>
-            <a:bodyPr wrap="square">
-              <a:spAutoFit/>
-            </a:bodyPr>
-            <a:lstStyle/>
-            <a:p>
-              <a:pPr algn="ctr"/>
-              <a:r>
-                <a:rPr lang="ko-KR" altLang="en-US" sz="2000" dirty="0">
-                  <a:solidFill>
-                    <a:srgbClr val="70A9F0"/>
-                  </a:solidFill>
-                  <a:latin typeface="나눔고딕 ExtraBold" panose="020D0904000000000000" pitchFamily="50" charset="-127"/>
-                  <a:ea typeface="나눔고딕 ExtraBold" panose="020D0904000000000000" pitchFamily="50" charset="-127"/>
-                </a:rPr>
-                <a:t>딥러닝 기반 이미지 인식 </a:t>
-              </a:r>
-              <a:endParaRPr lang="en-US" altLang="ko-KR" sz="2000" dirty="0">
-                <a:solidFill>
-                  <a:srgbClr val="70A9F0"/>
-                </a:solidFill>
-                <a:latin typeface="나눔고딕 ExtraBold" panose="020D0904000000000000" pitchFamily="50" charset="-127"/>
-                <a:ea typeface="나눔고딕 ExtraBold" panose="020D0904000000000000" pitchFamily="50" charset="-127"/>
-              </a:endParaRPr>
-            </a:p>
-            <a:p>
-              <a:pPr algn="ctr"/>
-              <a:r>
-                <a:rPr lang="ko-KR" altLang="en-US" sz="2000" dirty="0">
-                  <a:solidFill>
-                    <a:srgbClr val="70A9F0"/>
-                  </a:solidFill>
-                  <a:latin typeface="나눔고딕 ExtraBold" panose="020D0904000000000000" pitchFamily="50" charset="-127"/>
-                  <a:ea typeface="나눔고딕 ExtraBold" panose="020D0904000000000000" pitchFamily="50" charset="-127"/>
-                </a:rPr>
-                <a:t>기술 동향</a:t>
-              </a:r>
-            </a:p>
-          </p:txBody>
-        </p:sp>
-        <p:sp>
-          <p:nvSpPr>
-            <p:cNvPr id="15" name="직사각형 14">
-              <a:extLst>
-                <a:ext uri="{FF2B5EF4-FFF2-40B4-BE49-F238E27FC236}">
-                  <a16:creationId xmlns:a16="http://schemas.microsoft.com/office/drawing/2014/main" id="{C15854B6-F7B0-472B-834E-3BDB0EFBA908}"/>
-                </a:ext>
-              </a:extLst>
-            </p:cNvPr>
-            <p:cNvSpPr/>
-            <p:nvPr/>
-          </p:nvSpPr>
-          <p:spPr>
-            <a:xfrm>
-              <a:off x="782880" y="380123"/>
-              <a:ext cx="1823791" cy="1328558"/>
-            </a:xfrm>
-            <a:prstGeom prst="rect">
-              <a:avLst/>
-            </a:prstGeom>
-          </p:spPr>
-          <p:txBody>
-            <a:bodyPr wrap="square">
-              <a:spAutoFit/>
-            </a:bodyPr>
-            <a:lstStyle/>
-            <a:p>
-              <a:r>
-                <a:rPr lang="en-US" altLang="ko-KR" sz="6000" dirty="0">
-                  <a:solidFill>
-                    <a:srgbClr val="70A9F0"/>
-                  </a:solidFill>
-                  <a:latin typeface="나눔고딕 ExtraBold" panose="020D0904000000000000" pitchFamily="50" charset="-127"/>
-                  <a:ea typeface="나눔고딕 ExtraBold" panose="020D0904000000000000" pitchFamily="50" charset="-127"/>
-                </a:rPr>
-                <a:t>02</a:t>
-              </a:r>
-              <a:r>
-                <a:rPr lang="en-US" altLang="ko-KR" sz="7200" dirty="0">
-                  <a:solidFill>
-                    <a:srgbClr val="70A9F0"/>
-                  </a:solidFill>
-                  <a:latin typeface="나눔고딕 ExtraBold" panose="020D0904000000000000" pitchFamily="50" charset="-127"/>
-                  <a:ea typeface="나눔고딕 ExtraBold" panose="020D0904000000000000" pitchFamily="50" charset="-127"/>
-                </a:rPr>
-                <a:t> </a:t>
-              </a:r>
-              <a:endParaRPr lang="ko-KR" altLang="en-US" sz="7200" dirty="0"/>
-            </a:p>
-          </p:txBody>
-        </p:sp>
-      </p:grpSp>
-      <p:graphicFrame>
-        <p:nvGraphicFramePr>
-          <p:cNvPr id="21" name="다이어그램 20">
-            <a:extLst>
-              <a:ext uri="{FF2B5EF4-FFF2-40B4-BE49-F238E27FC236}">
-                <a16:creationId xmlns:a16="http://schemas.microsoft.com/office/drawing/2014/main" id="{98B7B393-B286-4182-A5AE-51D4F71DBA75}"/>
-              </a:ext>
-            </a:extLst>
-          </p:cNvPr>
-          <p:cNvGraphicFramePr/>
-          <p:nvPr>
-            <p:extLst>
-              <p:ext uri="{D42A27DB-BD31-4B8C-83A1-F6EECF244321}">
-                <p14:modId xmlns:p14="http://schemas.microsoft.com/office/powerpoint/2010/main" val="4028612163"/>
-              </p:ext>
-            </p:extLst>
-          </p:nvPr>
-        </p:nvGraphicFramePr>
-        <p:xfrm>
-          <a:off x="844165" y="2590454"/>
-          <a:ext cx="10631701" cy="3550854"/>
-        </p:xfrm>
-        <a:graphic>
-          <a:graphicData uri="http://schemas.openxmlformats.org/drawingml/2006/diagram">
-            <dgm:relIds xmlns:dgm="http://schemas.openxmlformats.org/drawingml/2006/diagram" xmlns:r="http://schemas.openxmlformats.org/officeDocument/2006/relationships" r:dm="rId2" r:lo="rId3" r:qs="rId4" r:cs="rId5"/>
-          </a:graphicData>
-        </a:graphic>
-      </p:graphicFrame>
-      <p:sp>
-        <p:nvSpPr>
-          <p:cNvPr id="22" name="TextBox 21">
-            <a:extLst>
-              <a:ext uri="{FF2B5EF4-FFF2-40B4-BE49-F238E27FC236}">
-                <a16:creationId xmlns:a16="http://schemas.microsoft.com/office/drawing/2014/main" id="{7ECEA004-D3A0-453F-A380-12A74DBA2101}"/>
-              </a:ext>
-            </a:extLst>
-          </p:cNvPr>
-          <p:cNvSpPr txBox="1"/>
-          <p:nvPr/>
-        </p:nvSpPr>
-        <p:spPr>
-          <a:xfrm>
-            <a:off x="844165" y="1673648"/>
-            <a:ext cx="5215407" cy="369332"/>
-          </a:xfrm>
-          <a:prstGeom prst="rect">
-            <a:avLst/>
-          </a:prstGeom>
-          <a:noFill/>
-        </p:spPr>
-        <p:txBody>
-          <a:bodyPr wrap="square" rtlCol="0">
-            <a:spAutoFit/>
-          </a:bodyPr>
-          <a:lstStyle/>
-          <a:p>
-            <a:r>
-              <a:rPr lang="en-US" altLang="ko-KR" dirty="0">
-                <a:solidFill>
-                  <a:srgbClr val="70A9F0"/>
-                </a:solidFill>
-                <a:latin typeface="나눔고딕 ExtraBold" panose="020D0904000000000000" pitchFamily="50" charset="-127"/>
-                <a:ea typeface="나눔고딕 ExtraBold" panose="020D0904000000000000" pitchFamily="50" charset="-127"/>
-              </a:rPr>
-              <a:t>2. </a:t>
-            </a:r>
-            <a:r>
-              <a:rPr lang="ko-KR" altLang="en-US" dirty="0">
-                <a:solidFill>
-                  <a:srgbClr val="70A9F0"/>
-                </a:solidFill>
-                <a:latin typeface="나눔고딕 ExtraBold" panose="020D0904000000000000" pitchFamily="50" charset="-127"/>
-                <a:ea typeface="나눔고딕 ExtraBold" panose="020D0904000000000000" pitchFamily="50" charset="-127"/>
-              </a:rPr>
-              <a:t>인공지능 학습의 한계 극복</a:t>
-            </a:r>
-            <a:endParaRPr lang="en-US" altLang="ko-KR" dirty="0">
-              <a:solidFill>
-                <a:srgbClr val="70A9F0"/>
-              </a:solidFill>
-              <a:latin typeface="나눔고딕 ExtraBold" panose="020D0904000000000000" pitchFamily="50" charset="-127"/>
-              <a:ea typeface="나눔고딕 ExtraBold" panose="020D0904000000000000" pitchFamily="50" charset="-127"/>
-            </a:endParaRPr>
-          </a:p>
-        </p:txBody>
-      </p:sp>
-    </p:spTree>
-    <p:extLst>
-      <p:ext uri="{BB962C8B-B14F-4D97-AF65-F5344CB8AC3E}">
-        <p14:creationId xmlns:p14="http://schemas.microsoft.com/office/powerpoint/2010/main" val="2225780021"/>
       </p:ext>
     </p:extLst>
   </p:cSld>
